--- a/Primeira apresentacao.pptx
+++ b/Primeira apresentacao.pptx
@@ -15,7 +15,10 @@
     <p:sldId id="263" r:id="rId9"/>
     <p:sldId id="264" r:id="rId10"/>
     <p:sldId id="265" r:id="rId11"/>
-    <p:sldId id="260" r:id="rId12"/>
+    <p:sldId id="267" r:id="rId12"/>
+    <p:sldId id="268" r:id="rId13"/>
+    <p:sldId id="260" r:id="rId14"/>
+    <p:sldId id="269" r:id="rId15"/>
   </p:sldIdLst>
   <p:sldSz cx="12192000" cy="6858000"/>
   <p:notesSz cx="6858000" cy="9144000"/>
@@ -253,7 +256,7 @@
           <a:p>
             <a:fld id="{7AD78751-984F-44E5-BFE2-0CAA52F6D263}" type="datetimeFigureOut">
               <a:rPr lang="pt-BR" smtClean="0"/>
-              <a:t>06/10/2015</a:t>
+              <a:t>07/10/2015</a:t>
             </a:fld>
             <a:endParaRPr lang="pt-BR"/>
           </a:p>
@@ -423,7 +426,7 @@
           <a:p>
             <a:fld id="{7AD78751-984F-44E5-BFE2-0CAA52F6D263}" type="datetimeFigureOut">
               <a:rPr lang="pt-BR" smtClean="0"/>
-              <a:t>06/10/2015</a:t>
+              <a:t>07/10/2015</a:t>
             </a:fld>
             <a:endParaRPr lang="pt-BR"/>
           </a:p>
@@ -603,7 +606,7 @@
           <a:p>
             <a:fld id="{7AD78751-984F-44E5-BFE2-0CAA52F6D263}" type="datetimeFigureOut">
               <a:rPr lang="pt-BR" smtClean="0"/>
-              <a:t>06/10/2015</a:t>
+              <a:t>07/10/2015</a:t>
             </a:fld>
             <a:endParaRPr lang="pt-BR"/>
           </a:p>
@@ -773,7 +776,7 @@
           <a:p>
             <a:fld id="{7AD78751-984F-44E5-BFE2-0CAA52F6D263}" type="datetimeFigureOut">
               <a:rPr lang="pt-BR" smtClean="0"/>
-              <a:t>06/10/2015</a:t>
+              <a:t>07/10/2015</a:t>
             </a:fld>
             <a:endParaRPr lang="pt-BR"/>
           </a:p>
@@ -1019,7 +1022,7 @@
           <a:p>
             <a:fld id="{7AD78751-984F-44E5-BFE2-0CAA52F6D263}" type="datetimeFigureOut">
               <a:rPr lang="pt-BR" smtClean="0"/>
-              <a:t>06/10/2015</a:t>
+              <a:t>07/10/2015</a:t>
             </a:fld>
             <a:endParaRPr lang="pt-BR"/>
           </a:p>
@@ -1251,7 +1254,7 @@
           <a:p>
             <a:fld id="{7AD78751-984F-44E5-BFE2-0CAA52F6D263}" type="datetimeFigureOut">
               <a:rPr lang="pt-BR" smtClean="0"/>
-              <a:t>06/10/2015</a:t>
+              <a:t>07/10/2015</a:t>
             </a:fld>
             <a:endParaRPr lang="pt-BR"/>
           </a:p>
@@ -1618,7 +1621,7 @@
           <a:p>
             <a:fld id="{7AD78751-984F-44E5-BFE2-0CAA52F6D263}" type="datetimeFigureOut">
               <a:rPr lang="pt-BR" smtClean="0"/>
-              <a:t>06/10/2015</a:t>
+              <a:t>07/10/2015</a:t>
             </a:fld>
             <a:endParaRPr lang="pt-BR"/>
           </a:p>
@@ -1736,7 +1739,7 @@
           <a:p>
             <a:fld id="{7AD78751-984F-44E5-BFE2-0CAA52F6D263}" type="datetimeFigureOut">
               <a:rPr lang="pt-BR" smtClean="0"/>
-              <a:t>06/10/2015</a:t>
+              <a:t>07/10/2015</a:t>
             </a:fld>
             <a:endParaRPr lang="pt-BR"/>
           </a:p>
@@ -1831,7 +1834,7 @@
           <a:p>
             <a:fld id="{7AD78751-984F-44E5-BFE2-0CAA52F6D263}" type="datetimeFigureOut">
               <a:rPr lang="pt-BR" smtClean="0"/>
-              <a:t>06/10/2015</a:t>
+              <a:t>07/10/2015</a:t>
             </a:fld>
             <a:endParaRPr lang="pt-BR"/>
           </a:p>
@@ -2108,7 +2111,7 @@
           <a:p>
             <a:fld id="{7AD78751-984F-44E5-BFE2-0CAA52F6D263}" type="datetimeFigureOut">
               <a:rPr lang="pt-BR" smtClean="0"/>
-              <a:t>06/10/2015</a:t>
+              <a:t>07/10/2015</a:t>
             </a:fld>
             <a:endParaRPr lang="pt-BR"/>
           </a:p>
@@ -2361,7 +2364,7 @@
           <a:p>
             <a:fld id="{7AD78751-984F-44E5-BFE2-0CAA52F6D263}" type="datetimeFigureOut">
               <a:rPr lang="pt-BR" smtClean="0"/>
-              <a:t>06/10/2015</a:t>
+              <a:t>07/10/2015</a:t>
             </a:fld>
             <a:endParaRPr lang="pt-BR"/>
           </a:p>
@@ -2574,7 +2577,7 @@
           <a:p>
             <a:fld id="{7AD78751-984F-44E5-BFE2-0CAA52F6D263}" type="datetimeFigureOut">
               <a:rPr lang="pt-BR" smtClean="0"/>
-              <a:t>06/10/2015</a:t>
+              <a:t>07/10/2015</a:t>
             </a:fld>
             <a:endParaRPr lang="pt-BR"/>
           </a:p>
@@ -3039,7 +3042,6 @@
               <a:rPr lang="pt-BR" dirty="0" smtClean="0"/>
               <a:t>bizzani11@Hotmail.com</a:t>
             </a:r>
-            <a:endParaRPr lang="pt-BR" dirty="0" smtClean="0"/>
           </a:p>
           <a:p>
             <a:r>
@@ -3048,15 +3050,7 @@
             </a:r>
             <a:r>
               <a:rPr lang="pt-BR" dirty="0" smtClean="0"/>
-              <a:t> </a:t>
-            </a:r>
-            <a:r>
-              <a:rPr lang="pt-BR" dirty="0" smtClean="0"/>
-              <a:t>Adriano de </a:t>
-            </a:r>
-            <a:r>
-              <a:rPr lang="pt-BR" dirty="0" smtClean="0"/>
-              <a:t>Mello, Orientador</a:t>
+              <a:t> Adriano de Mello, Orientador</a:t>
             </a:r>
             <a:endParaRPr lang="pt-BR" dirty="0"/>
           </a:p>
@@ -3349,6 +3343,711 @@
         </p:nvSpPr>
         <p:spPr>
           <a:xfrm>
+            <a:off x="838200" y="679511"/>
+            <a:ext cx="10515600" cy="1325563"/>
+          </a:xfrm>
+        </p:spPr>
+        <p:txBody>
+          <a:bodyPr/>
+          <a:lstStyle/>
+          <a:p>
+            <a:r>
+              <a:rPr lang="pt-BR" dirty="0" smtClean="0"/>
+              <a:t>Estado de Consistência Global</a:t>
+            </a:r>
+            <a:endParaRPr lang="pt-BR" dirty="0"/>
+          </a:p>
+        </p:txBody>
+      </p:sp>
+      <p:sp>
+        <p:nvSpPr>
+          <p:cNvPr id="3" name="Espaço Reservado para Conteúdo 2"/>
+          <p:cNvSpPr>
+            <a:spLocks noGrp="1"/>
+          </p:cNvSpPr>
+          <p:nvPr>
+            <p:ph idx="1"/>
+          </p:nvPr>
+        </p:nvSpPr>
+        <p:spPr>
+          <a:xfrm>
+            <a:off x="838200" y="1825625"/>
+            <a:ext cx="10515600" cy="1341524"/>
+          </a:xfrm>
+        </p:spPr>
+        <p:txBody>
+          <a:bodyPr>
+            <a:normAutofit/>
+          </a:bodyPr>
+          <a:lstStyle/>
+          <a:p>
+            <a:r>
+              <a:rPr lang="pt-BR" dirty="0" smtClean="0"/>
+              <a:t>Um estado local de um processo P é definido pelo estado inicial de P e a sequência de eventos que ocorrem em P. Um estado global de um sistema é um conjunto de estados locais, um de cada processo.</a:t>
+            </a:r>
+          </a:p>
+          <a:p>
+            <a:pPr marL="0" indent="0">
+              <a:buNone/>
+            </a:pPr>
+            <a:endParaRPr lang="pt-BR" dirty="0"/>
+          </a:p>
+        </p:txBody>
+      </p:sp>
+      <p:pic>
+        <p:nvPicPr>
+          <p:cNvPr id="4" name="Picture 2"/>
+          <p:cNvPicPr>
+            <a:picLocks noChangeAspect="1"/>
+          </p:cNvPicPr>
+          <p:nvPr/>
+        </p:nvPicPr>
+        <p:blipFill>
+          <a:blip r:embed="rId2">
+            <a:lum bright="-50000"/>
+            <a:alphaModFix/>
+          </a:blip>
+          <a:srcRect/>
+          <a:stretch>
+            <a:fillRect/>
+          </a:stretch>
+        </p:blipFill>
+        <p:spPr>
+          <a:xfrm>
+            <a:off x="58320" y="-171360"/>
+            <a:ext cx="2107800" cy="1030319"/>
+          </a:xfrm>
+          <a:prstGeom prst="rect">
+            <a:avLst/>
+          </a:prstGeom>
+          <a:noFill/>
+          <a:ln>
+            <a:noFill/>
+          </a:ln>
+        </p:spPr>
+      </p:pic>
+      <p:pic>
+        <p:nvPicPr>
+          <p:cNvPr id="5" name="Imagem 4"/>
+          <p:cNvPicPr>
+            <a:picLocks noChangeAspect="1"/>
+          </p:cNvPicPr>
+          <p:nvPr/>
+        </p:nvPicPr>
+        <p:blipFill>
+          <a:blip r:embed="rId3"/>
+          <a:stretch>
+            <a:fillRect/>
+          </a:stretch>
+        </p:blipFill>
+        <p:spPr>
+          <a:xfrm>
+            <a:off x="4152899" y="3416531"/>
+            <a:ext cx="3886200" cy="1571625"/>
+          </a:xfrm>
+          <a:prstGeom prst="rect">
+            <a:avLst/>
+          </a:prstGeom>
+        </p:spPr>
+      </p:pic>
+      <p:sp>
+        <p:nvSpPr>
+          <p:cNvPr id="6" name="Espaço Reservado para Conteúdo 2"/>
+          <p:cNvSpPr txBox="1">
+            <a:spLocks/>
+          </p:cNvSpPr>
+          <p:nvPr/>
+        </p:nvSpPr>
+        <p:spPr>
+          <a:xfrm>
+            <a:off x="4736025" y="4988156"/>
+            <a:ext cx="2719947" cy="939742"/>
+          </a:xfrm>
+          <a:prstGeom prst="rect">
+            <a:avLst/>
+          </a:prstGeom>
+        </p:spPr>
+        <p:txBody>
+          <a:bodyPr vert="horz" lIns="91440" tIns="45720" rIns="91440" bIns="45720" rtlCol="0">
+            <a:normAutofit/>
+          </a:bodyPr>
+          <a:lstStyle>
+            <a:lvl1pPr marL="228600" indent="-228600" algn="l" defTabSz="914400" rtl="0" eaLnBrk="1" latinLnBrk="0" hangingPunct="1">
+              <a:lnSpc>
+                <a:spcPct val="90000"/>
+              </a:lnSpc>
+              <a:spcBef>
+                <a:spcPts val="1000"/>
+              </a:spcBef>
+              <a:buFont typeface="Arial" panose="020B0604020202020204" pitchFamily="34" charset="0"/>
+              <a:buChar char="•"/>
+              <a:defRPr sz="2800" kern="1200">
+                <a:solidFill>
+                  <a:schemeClr val="tx1"/>
+                </a:solidFill>
+                <a:latin typeface="+mn-lt"/>
+                <a:ea typeface="+mn-ea"/>
+                <a:cs typeface="+mn-cs"/>
+              </a:defRPr>
+            </a:lvl1pPr>
+            <a:lvl2pPr marL="685800" indent="-228600" algn="l" defTabSz="914400" rtl="0" eaLnBrk="1" latinLnBrk="0" hangingPunct="1">
+              <a:lnSpc>
+                <a:spcPct val="90000"/>
+              </a:lnSpc>
+              <a:spcBef>
+                <a:spcPts val="500"/>
+              </a:spcBef>
+              <a:buFont typeface="Arial" panose="020B0604020202020204" pitchFamily="34" charset="0"/>
+              <a:buChar char="•"/>
+              <a:defRPr sz="2400" kern="1200">
+                <a:solidFill>
+                  <a:schemeClr val="tx1"/>
+                </a:solidFill>
+                <a:latin typeface="+mn-lt"/>
+                <a:ea typeface="+mn-ea"/>
+                <a:cs typeface="+mn-cs"/>
+              </a:defRPr>
+            </a:lvl2pPr>
+            <a:lvl3pPr marL="1143000" indent="-228600" algn="l" defTabSz="914400" rtl="0" eaLnBrk="1" latinLnBrk="0" hangingPunct="1">
+              <a:lnSpc>
+                <a:spcPct val="90000"/>
+              </a:lnSpc>
+              <a:spcBef>
+                <a:spcPts val="500"/>
+              </a:spcBef>
+              <a:buFont typeface="Arial" panose="020B0604020202020204" pitchFamily="34" charset="0"/>
+              <a:buChar char="•"/>
+              <a:defRPr sz="2000" kern="1200">
+                <a:solidFill>
+                  <a:schemeClr val="tx1"/>
+                </a:solidFill>
+                <a:latin typeface="+mn-lt"/>
+                <a:ea typeface="+mn-ea"/>
+                <a:cs typeface="+mn-cs"/>
+              </a:defRPr>
+            </a:lvl3pPr>
+            <a:lvl4pPr marL="1600200" indent="-228600" algn="l" defTabSz="914400" rtl="0" eaLnBrk="1" latinLnBrk="0" hangingPunct="1">
+              <a:lnSpc>
+                <a:spcPct val="90000"/>
+              </a:lnSpc>
+              <a:spcBef>
+                <a:spcPts val="500"/>
+              </a:spcBef>
+              <a:buFont typeface="Arial" panose="020B0604020202020204" pitchFamily="34" charset="0"/>
+              <a:buChar char="•"/>
+              <a:defRPr sz="1800" kern="1200">
+                <a:solidFill>
+                  <a:schemeClr val="tx1"/>
+                </a:solidFill>
+                <a:latin typeface="+mn-lt"/>
+                <a:ea typeface="+mn-ea"/>
+                <a:cs typeface="+mn-cs"/>
+              </a:defRPr>
+            </a:lvl4pPr>
+            <a:lvl5pPr marL="2057400" indent="-228600" algn="l" defTabSz="914400" rtl="0" eaLnBrk="1" latinLnBrk="0" hangingPunct="1">
+              <a:lnSpc>
+                <a:spcPct val="90000"/>
+              </a:lnSpc>
+              <a:spcBef>
+                <a:spcPts val="500"/>
+              </a:spcBef>
+              <a:buFont typeface="Arial" panose="020B0604020202020204" pitchFamily="34" charset="0"/>
+              <a:buChar char="•"/>
+              <a:defRPr sz="1800" kern="1200">
+                <a:solidFill>
+                  <a:schemeClr val="tx1"/>
+                </a:solidFill>
+                <a:latin typeface="+mn-lt"/>
+                <a:ea typeface="+mn-ea"/>
+                <a:cs typeface="+mn-cs"/>
+              </a:defRPr>
+            </a:lvl5pPr>
+            <a:lvl6pPr marL="2514600" indent="-228600" algn="l" defTabSz="914400" rtl="0" eaLnBrk="1" latinLnBrk="0" hangingPunct="1">
+              <a:lnSpc>
+                <a:spcPct val="90000"/>
+              </a:lnSpc>
+              <a:spcBef>
+                <a:spcPts val="500"/>
+              </a:spcBef>
+              <a:buFont typeface="Arial" panose="020B0604020202020204" pitchFamily="34" charset="0"/>
+              <a:buChar char="•"/>
+              <a:defRPr sz="1800" kern="1200">
+                <a:solidFill>
+                  <a:schemeClr val="tx1"/>
+                </a:solidFill>
+                <a:latin typeface="+mn-lt"/>
+                <a:ea typeface="+mn-ea"/>
+                <a:cs typeface="+mn-cs"/>
+              </a:defRPr>
+            </a:lvl6pPr>
+            <a:lvl7pPr marL="2971800" indent="-228600" algn="l" defTabSz="914400" rtl="0" eaLnBrk="1" latinLnBrk="0" hangingPunct="1">
+              <a:lnSpc>
+                <a:spcPct val="90000"/>
+              </a:lnSpc>
+              <a:spcBef>
+                <a:spcPts val="500"/>
+              </a:spcBef>
+              <a:buFont typeface="Arial" panose="020B0604020202020204" pitchFamily="34" charset="0"/>
+              <a:buChar char="•"/>
+              <a:defRPr sz="1800" kern="1200">
+                <a:solidFill>
+                  <a:schemeClr val="tx1"/>
+                </a:solidFill>
+                <a:latin typeface="+mn-lt"/>
+                <a:ea typeface="+mn-ea"/>
+                <a:cs typeface="+mn-cs"/>
+              </a:defRPr>
+            </a:lvl7pPr>
+            <a:lvl8pPr marL="3429000" indent="-228600" algn="l" defTabSz="914400" rtl="0" eaLnBrk="1" latinLnBrk="0" hangingPunct="1">
+              <a:lnSpc>
+                <a:spcPct val="90000"/>
+              </a:lnSpc>
+              <a:spcBef>
+                <a:spcPts val="500"/>
+              </a:spcBef>
+              <a:buFont typeface="Arial" panose="020B0604020202020204" pitchFamily="34" charset="0"/>
+              <a:buChar char="•"/>
+              <a:defRPr sz="1800" kern="1200">
+                <a:solidFill>
+                  <a:schemeClr val="tx1"/>
+                </a:solidFill>
+                <a:latin typeface="+mn-lt"/>
+                <a:ea typeface="+mn-ea"/>
+                <a:cs typeface="+mn-cs"/>
+              </a:defRPr>
+            </a:lvl8pPr>
+            <a:lvl9pPr marL="3886200" indent="-228600" algn="l" defTabSz="914400" rtl="0" eaLnBrk="1" latinLnBrk="0" hangingPunct="1">
+              <a:lnSpc>
+                <a:spcPct val="90000"/>
+              </a:lnSpc>
+              <a:spcBef>
+                <a:spcPts val="500"/>
+              </a:spcBef>
+              <a:buFont typeface="Arial" panose="020B0604020202020204" pitchFamily="34" charset="0"/>
+              <a:buChar char="•"/>
+              <a:defRPr sz="1800" kern="1200">
+                <a:solidFill>
+                  <a:schemeClr val="tx1"/>
+                </a:solidFill>
+                <a:latin typeface="+mn-lt"/>
+                <a:ea typeface="+mn-ea"/>
+                <a:cs typeface="+mn-cs"/>
+              </a:defRPr>
+            </a:lvl9pPr>
+          </a:lstStyle>
+          <a:p>
+            <a:pPr marL="0" indent="0" algn="ctr">
+              <a:buNone/>
+            </a:pPr>
+            <a:r>
+              <a:rPr lang="pt-BR" sz="1600" dirty="0" smtClean="0"/>
+              <a:t>Figura 1. Conjunto consistente e inconsistente em um sistema distribuído.</a:t>
+            </a:r>
+          </a:p>
+          <a:p>
+            <a:pPr marL="0" indent="0">
+              <a:buFont typeface="Arial" panose="020B0604020202020204" pitchFamily="34" charset="0"/>
+              <a:buNone/>
+            </a:pPr>
+            <a:endParaRPr lang="pt-BR" dirty="0"/>
+          </a:p>
+        </p:txBody>
+      </p:sp>
+    </p:spTree>
+    <p:extLst>
+      <p:ext uri="{BB962C8B-B14F-4D97-AF65-F5344CB8AC3E}">
+        <p14:creationId xmlns:p14="http://schemas.microsoft.com/office/powerpoint/2010/main" val="1879274527"/>
+      </p:ext>
+    </p:extLst>
+  </p:cSld>
+  <p:clrMapOvr>
+    <a:masterClrMapping/>
+  </p:clrMapOvr>
+</p:sld>
+</file>
+
+<file path=ppt/slides/slide12.xml><?xml version="1.0" encoding="utf-8"?>
+<p:sld xmlns:a="http://schemas.openxmlformats.org/drawingml/2006/main" xmlns:r="http://schemas.openxmlformats.org/officeDocument/2006/relationships" xmlns:p="http://schemas.openxmlformats.org/presentationml/2006/main">
+  <p:cSld>
+    <p:spTree>
+      <p:nvGrpSpPr>
+        <p:cNvPr id="1" name=""/>
+        <p:cNvGrpSpPr/>
+        <p:nvPr/>
+      </p:nvGrpSpPr>
+      <p:grpSpPr>
+        <a:xfrm>
+          <a:off x="0" y="0"/>
+          <a:ext cx="0" cy="0"/>
+          <a:chOff x="0" y="0"/>
+          <a:chExt cx="0" cy="0"/>
+        </a:xfrm>
+      </p:grpSpPr>
+      <p:sp>
+        <p:nvSpPr>
+          <p:cNvPr id="2" name="Título 1"/>
+          <p:cNvSpPr>
+            <a:spLocks noGrp="1"/>
+          </p:cNvSpPr>
+          <p:nvPr>
+            <p:ph type="title"/>
+          </p:nvPr>
+        </p:nvSpPr>
+        <p:spPr>
+          <a:xfrm>
+            <a:off x="838200" y="679511"/>
+            <a:ext cx="10515600" cy="1325563"/>
+          </a:xfrm>
+        </p:spPr>
+        <p:txBody>
+          <a:bodyPr/>
+          <a:lstStyle/>
+          <a:p>
+            <a:r>
+              <a:rPr lang="pt-BR" dirty="0" smtClean="0"/>
+              <a:t>Efeito Dominó</a:t>
+            </a:r>
+            <a:endParaRPr lang="pt-BR" dirty="0"/>
+          </a:p>
+        </p:txBody>
+      </p:sp>
+      <p:sp>
+        <p:nvSpPr>
+          <p:cNvPr id="3" name="Espaço Reservado para Conteúdo 2"/>
+          <p:cNvSpPr>
+            <a:spLocks noGrp="1"/>
+          </p:cNvSpPr>
+          <p:nvPr>
+            <p:ph idx="1"/>
+          </p:nvPr>
+        </p:nvSpPr>
+        <p:spPr>
+          <a:xfrm>
+            <a:off x="838200" y="1825625"/>
+            <a:ext cx="10515600" cy="1590906"/>
+          </a:xfrm>
+        </p:spPr>
+        <p:txBody>
+          <a:bodyPr>
+            <a:normAutofit lnSpcReduction="10000"/>
+          </a:bodyPr>
+          <a:lstStyle/>
+          <a:p>
+            <a:r>
+              <a:rPr lang="pt-BR" dirty="0" smtClean="0"/>
+              <a:t>Quando o processo de Rollback ocorre, processos podem sofrer com mensagens órfãs, que nada mais é do que quando um processo que havia enviado uma mensagem retrocede a um checkpoint anterior ao envio da mesma.</a:t>
+            </a:r>
+            <a:endParaRPr lang="pt-BR" dirty="0" smtClean="0"/>
+          </a:p>
+          <a:p>
+            <a:pPr marL="0" indent="0">
+              <a:buNone/>
+            </a:pPr>
+            <a:endParaRPr lang="pt-BR" dirty="0"/>
+          </a:p>
+        </p:txBody>
+      </p:sp>
+      <p:pic>
+        <p:nvPicPr>
+          <p:cNvPr id="4" name="Picture 2"/>
+          <p:cNvPicPr>
+            <a:picLocks noChangeAspect="1"/>
+          </p:cNvPicPr>
+          <p:nvPr/>
+        </p:nvPicPr>
+        <p:blipFill>
+          <a:blip r:embed="rId2">
+            <a:lum bright="-50000"/>
+            <a:alphaModFix/>
+          </a:blip>
+          <a:srcRect/>
+          <a:stretch>
+            <a:fillRect/>
+          </a:stretch>
+        </p:blipFill>
+        <p:spPr>
+          <a:xfrm>
+            <a:off x="58320" y="-171360"/>
+            <a:ext cx="2107800" cy="1030319"/>
+          </a:xfrm>
+          <a:prstGeom prst="rect">
+            <a:avLst/>
+          </a:prstGeom>
+          <a:noFill/>
+          <a:ln>
+            <a:noFill/>
+          </a:ln>
+        </p:spPr>
+      </p:pic>
+      <p:sp>
+        <p:nvSpPr>
+          <p:cNvPr id="6" name="Espaço Reservado para Conteúdo 2"/>
+          <p:cNvSpPr txBox="1">
+            <a:spLocks/>
+          </p:cNvSpPr>
+          <p:nvPr/>
+        </p:nvSpPr>
+        <p:spPr>
+          <a:xfrm>
+            <a:off x="4736025" y="4988156"/>
+            <a:ext cx="2719947" cy="939742"/>
+          </a:xfrm>
+          <a:prstGeom prst="rect">
+            <a:avLst/>
+          </a:prstGeom>
+        </p:spPr>
+        <p:txBody>
+          <a:bodyPr vert="horz" lIns="91440" tIns="45720" rIns="91440" bIns="45720" rtlCol="0">
+            <a:normAutofit/>
+          </a:bodyPr>
+          <a:lstStyle>
+            <a:lvl1pPr marL="228600" indent="-228600" algn="l" defTabSz="914400" rtl="0" eaLnBrk="1" latinLnBrk="0" hangingPunct="1">
+              <a:lnSpc>
+                <a:spcPct val="90000"/>
+              </a:lnSpc>
+              <a:spcBef>
+                <a:spcPts val="1000"/>
+              </a:spcBef>
+              <a:buFont typeface="Arial" panose="020B0604020202020204" pitchFamily="34" charset="0"/>
+              <a:buChar char="•"/>
+              <a:defRPr sz="2800" kern="1200">
+                <a:solidFill>
+                  <a:schemeClr val="tx1"/>
+                </a:solidFill>
+                <a:latin typeface="+mn-lt"/>
+                <a:ea typeface="+mn-ea"/>
+                <a:cs typeface="+mn-cs"/>
+              </a:defRPr>
+            </a:lvl1pPr>
+            <a:lvl2pPr marL="685800" indent="-228600" algn="l" defTabSz="914400" rtl="0" eaLnBrk="1" latinLnBrk="0" hangingPunct="1">
+              <a:lnSpc>
+                <a:spcPct val="90000"/>
+              </a:lnSpc>
+              <a:spcBef>
+                <a:spcPts val="500"/>
+              </a:spcBef>
+              <a:buFont typeface="Arial" panose="020B0604020202020204" pitchFamily="34" charset="0"/>
+              <a:buChar char="•"/>
+              <a:defRPr sz="2400" kern="1200">
+                <a:solidFill>
+                  <a:schemeClr val="tx1"/>
+                </a:solidFill>
+                <a:latin typeface="+mn-lt"/>
+                <a:ea typeface="+mn-ea"/>
+                <a:cs typeface="+mn-cs"/>
+              </a:defRPr>
+            </a:lvl2pPr>
+            <a:lvl3pPr marL="1143000" indent="-228600" algn="l" defTabSz="914400" rtl="0" eaLnBrk="1" latinLnBrk="0" hangingPunct="1">
+              <a:lnSpc>
+                <a:spcPct val="90000"/>
+              </a:lnSpc>
+              <a:spcBef>
+                <a:spcPts val="500"/>
+              </a:spcBef>
+              <a:buFont typeface="Arial" panose="020B0604020202020204" pitchFamily="34" charset="0"/>
+              <a:buChar char="•"/>
+              <a:defRPr sz="2000" kern="1200">
+                <a:solidFill>
+                  <a:schemeClr val="tx1"/>
+                </a:solidFill>
+                <a:latin typeface="+mn-lt"/>
+                <a:ea typeface="+mn-ea"/>
+                <a:cs typeface="+mn-cs"/>
+              </a:defRPr>
+            </a:lvl3pPr>
+            <a:lvl4pPr marL="1600200" indent="-228600" algn="l" defTabSz="914400" rtl="0" eaLnBrk="1" latinLnBrk="0" hangingPunct="1">
+              <a:lnSpc>
+                <a:spcPct val="90000"/>
+              </a:lnSpc>
+              <a:spcBef>
+                <a:spcPts val="500"/>
+              </a:spcBef>
+              <a:buFont typeface="Arial" panose="020B0604020202020204" pitchFamily="34" charset="0"/>
+              <a:buChar char="•"/>
+              <a:defRPr sz="1800" kern="1200">
+                <a:solidFill>
+                  <a:schemeClr val="tx1"/>
+                </a:solidFill>
+                <a:latin typeface="+mn-lt"/>
+                <a:ea typeface="+mn-ea"/>
+                <a:cs typeface="+mn-cs"/>
+              </a:defRPr>
+            </a:lvl4pPr>
+            <a:lvl5pPr marL="2057400" indent="-228600" algn="l" defTabSz="914400" rtl="0" eaLnBrk="1" latinLnBrk="0" hangingPunct="1">
+              <a:lnSpc>
+                <a:spcPct val="90000"/>
+              </a:lnSpc>
+              <a:spcBef>
+                <a:spcPts val="500"/>
+              </a:spcBef>
+              <a:buFont typeface="Arial" panose="020B0604020202020204" pitchFamily="34" charset="0"/>
+              <a:buChar char="•"/>
+              <a:defRPr sz="1800" kern="1200">
+                <a:solidFill>
+                  <a:schemeClr val="tx1"/>
+                </a:solidFill>
+                <a:latin typeface="+mn-lt"/>
+                <a:ea typeface="+mn-ea"/>
+                <a:cs typeface="+mn-cs"/>
+              </a:defRPr>
+            </a:lvl5pPr>
+            <a:lvl6pPr marL="2514600" indent="-228600" algn="l" defTabSz="914400" rtl="0" eaLnBrk="1" latinLnBrk="0" hangingPunct="1">
+              <a:lnSpc>
+                <a:spcPct val="90000"/>
+              </a:lnSpc>
+              <a:spcBef>
+                <a:spcPts val="500"/>
+              </a:spcBef>
+              <a:buFont typeface="Arial" panose="020B0604020202020204" pitchFamily="34" charset="0"/>
+              <a:buChar char="•"/>
+              <a:defRPr sz="1800" kern="1200">
+                <a:solidFill>
+                  <a:schemeClr val="tx1"/>
+                </a:solidFill>
+                <a:latin typeface="+mn-lt"/>
+                <a:ea typeface="+mn-ea"/>
+                <a:cs typeface="+mn-cs"/>
+              </a:defRPr>
+            </a:lvl6pPr>
+            <a:lvl7pPr marL="2971800" indent="-228600" algn="l" defTabSz="914400" rtl="0" eaLnBrk="1" latinLnBrk="0" hangingPunct="1">
+              <a:lnSpc>
+                <a:spcPct val="90000"/>
+              </a:lnSpc>
+              <a:spcBef>
+                <a:spcPts val="500"/>
+              </a:spcBef>
+              <a:buFont typeface="Arial" panose="020B0604020202020204" pitchFamily="34" charset="0"/>
+              <a:buChar char="•"/>
+              <a:defRPr sz="1800" kern="1200">
+                <a:solidFill>
+                  <a:schemeClr val="tx1"/>
+                </a:solidFill>
+                <a:latin typeface="+mn-lt"/>
+                <a:ea typeface="+mn-ea"/>
+                <a:cs typeface="+mn-cs"/>
+              </a:defRPr>
+            </a:lvl7pPr>
+            <a:lvl8pPr marL="3429000" indent="-228600" algn="l" defTabSz="914400" rtl="0" eaLnBrk="1" latinLnBrk="0" hangingPunct="1">
+              <a:lnSpc>
+                <a:spcPct val="90000"/>
+              </a:lnSpc>
+              <a:spcBef>
+                <a:spcPts val="500"/>
+              </a:spcBef>
+              <a:buFont typeface="Arial" panose="020B0604020202020204" pitchFamily="34" charset="0"/>
+              <a:buChar char="•"/>
+              <a:defRPr sz="1800" kern="1200">
+                <a:solidFill>
+                  <a:schemeClr val="tx1"/>
+                </a:solidFill>
+                <a:latin typeface="+mn-lt"/>
+                <a:ea typeface="+mn-ea"/>
+                <a:cs typeface="+mn-cs"/>
+              </a:defRPr>
+            </a:lvl8pPr>
+            <a:lvl9pPr marL="3886200" indent="-228600" algn="l" defTabSz="914400" rtl="0" eaLnBrk="1" latinLnBrk="0" hangingPunct="1">
+              <a:lnSpc>
+                <a:spcPct val="90000"/>
+              </a:lnSpc>
+              <a:spcBef>
+                <a:spcPts val="500"/>
+              </a:spcBef>
+              <a:buFont typeface="Arial" panose="020B0604020202020204" pitchFamily="34" charset="0"/>
+              <a:buChar char="•"/>
+              <a:defRPr sz="1800" kern="1200">
+                <a:solidFill>
+                  <a:schemeClr val="tx1"/>
+                </a:solidFill>
+                <a:latin typeface="+mn-lt"/>
+                <a:ea typeface="+mn-ea"/>
+                <a:cs typeface="+mn-cs"/>
+              </a:defRPr>
+            </a:lvl9pPr>
+          </a:lstStyle>
+          <a:p>
+            <a:pPr marL="0" indent="0" algn="ctr">
+              <a:buNone/>
+            </a:pPr>
+            <a:r>
+              <a:rPr lang="pt-BR" sz="1600" dirty="0" smtClean="0"/>
+              <a:t>Figura 2. Exemplo de Efeito Dominó. </a:t>
+            </a:r>
+          </a:p>
+          <a:p>
+            <a:pPr marL="0" indent="0">
+              <a:buFont typeface="Arial" panose="020B0604020202020204" pitchFamily="34" charset="0"/>
+              <a:buNone/>
+            </a:pPr>
+            <a:endParaRPr lang="pt-BR" dirty="0"/>
+          </a:p>
+        </p:txBody>
+      </p:sp>
+      <p:pic>
+        <p:nvPicPr>
+          <p:cNvPr id="7" name="Imagem 6"/>
+          <p:cNvPicPr>
+            <a:picLocks noChangeAspect="1"/>
+          </p:cNvPicPr>
+          <p:nvPr/>
+        </p:nvPicPr>
+        <p:blipFill>
+          <a:blip r:embed="rId3"/>
+          <a:stretch>
+            <a:fillRect/>
+          </a:stretch>
+        </p:blipFill>
+        <p:spPr>
+          <a:xfrm>
+            <a:off x="4243385" y="3454631"/>
+            <a:ext cx="3705225" cy="1533525"/>
+          </a:xfrm>
+          <a:prstGeom prst="rect">
+            <a:avLst/>
+          </a:prstGeom>
+        </p:spPr>
+      </p:pic>
+    </p:spTree>
+    <p:extLst>
+      <p:ext uri="{BB962C8B-B14F-4D97-AF65-F5344CB8AC3E}">
+        <p14:creationId xmlns:p14="http://schemas.microsoft.com/office/powerpoint/2010/main" val="1008979585"/>
+      </p:ext>
+    </p:extLst>
+  </p:cSld>
+  <p:clrMapOvr>
+    <a:masterClrMapping/>
+  </p:clrMapOvr>
+</p:sld>
+</file>
+
+<file path=ppt/slides/slide13.xml><?xml version="1.0" encoding="utf-8"?>
+<p:sld xmlns:a="http://schemas.openxmlformats.org/drawingml/2006/main" xmlns:r="http://schemas.openxmlformats.org/officeDocument/2006/relationships" xmlns:p="http://schemas.openxmlformats.org/presentationml/2006/main">
+  <p:cSld>
+    <p:spTree>
+      <p:nvGrpSpPr>
+        <p:cNvPr id="1" name=""/>
+        <p:cNvGrpSpPr/>
+        <p:nvPr/>
+      </p:nvGrpSpPr>
+      <p:grpSpPr>
+        <a:xfrm>
+          <a:off x="0" y="0"/>
+          <a:ext cx="0" cy="0"/>
+          <a:chOff x="0" y="0"/>
+          <a:chExt cx="0" cy="0"/>
+        </a:xfrm>
+      </p:grpSpPr>
+      <p:sp>
+        <p:nvSpPr>
+          <p:cNvPr id="2" name="Título 1"/>
+          <p:cNvSpPr>
+            <a:spLocks noGrp="1"/>
+          </p:cNvSpPr>
+          <p:nvPr>
+            <p:ph type="title"/>
+          </p:nvPr>
+        </p:nvSpPr>
+        <p:spPr>
+          <a:xfrm>
             <a:off x="838200" y="500062"/>
             <a:ext cx="10515600" cy="1325563"/>
           </a:xfrm>
@@ -3424,6 +4123,119 @@
     <p:extLst>
       <p:ext uri="{BB962C8B-B14F-4D97-AF65-F5344CB8AC3E}">
         <p14:creationId xmlns:p14="http://schemas.microsoft.com/office/powerpoint/2010/main" val="3118700290"/>
+      </p:ext>
+    </p:extLst>
+  </p:cSld>
+  <p:clrMapOvr>
+    <a:masterClrMapping/>
+  </p:clrMapOvr>
+</p:sld>
+</file>
+
+<file path=ppt/slides/slide14.xml><?xml version="1.0" encoding="utf-8"?>
+<p:sld xmlns:a="http://schemas.openxmlformats.org/drawingml/2006/main" xmlns:r="http://schemas.openxmlformats.org/officeDocument/2006/relationships" xmlns:p="http://schemas.openxmlformats.org/presentationml/2006/main">
+  <p:cSld>
+    <p:spTree>
+      <p:nvGrpSpPr>
+        <p:cNvPr id="1" name=""/>
+        <p:cNvGrpSpPr/>
+        <p:nvPr/>
+      </p:nvGrpSpPr>
+      <p:grpSpPr>
+        <a:xfrm>
+          <a:off x="0" y="0"/>
+          <a:ext cx="0" cy="0"/>
+          <a:chOff x="0" y="0"/>
+          <a:chExt cx="0" cy="0"/>
+        </a:xfrm>
+      </p:grpSpPr>
+      <p:sp>
+        <p:nvSpPr>
+          <p:cNvPr id="2" name="Título 1"/>
+          <p:cNvSpPr>
+            <a:spLocks noGrp="1"/>
+          </p:cNvSpPr>
+          <p:nvPr>
+            <p:ph type="title"/>
+          </p:nvPr>
+        </p:nvSpPr>
+        <p:spPr>
+          <a:xfrm>
+            <a:off x="838200" y="500062"/>
+            <a:ext cx="10515600" cy="1325563"/>
+          </a:xfrm>
+        </p:spPr>
+        <p:txBody>
+          <a:bodyPr/>
+          <a:lstStyle/>
+          <a:p>
+            <a:r>
+              <a:rPr lang="pt-BR" dirty="0" smtClean="0"/>
+              <a:t>Cronograma</a:t>
+            </a:r>
+            <a:endParaRPr lang="pt-BR" dirty="0"/>
+          </a:p>
+        </p:txBody>
+      </p:sp>
+      <p:sp>
+        <p:nvSpPr>
+          <p:cNvPr id="3" name="Espaço Reservado para Conteúdo 2"/>
+          <p:cNvSpPr>
+            <a:spLocks noGrp="1"/>
+          </p:cNvSpPr>
+          <p:nvPr>
+            <p:ph idx="1"/>
+          </p:nvPr>
+        </p:nvSpPr>
+        <p:spPr/>
+        <p:txBody>
+          <a:bodyPr/>
+          <a:lstStyle/>
+          <a:p>
+            <a:r>
+              <a:rPr lang="pt-BR" dirty="0" smtClean="0"/>
+              <a:t> </a:t>
+            </a:r>
+            <a:endParaRPr lang="pt-BR" dirty="0"/>
+          </a:p>
+        </p:txBody>
+      </p:sp>
+      <p:pic>
+        <p:nvPicPr>
+          <p:cNvPr id="5" name="Picture 2"/>
+          <p:cNvPicPr>
+            <a:picLocks noChangeAspect="1"/>
+          </p:cNvPicPr>
+          <p:nvPr/>
+        </p:nvPicPr>
+        <p:blipFill>
+          <a:blip r:embed="rId2">
+            <a:lum bright="-50000"/>
+            <a:alphaModFix/>
+          </a:blip>
+          <a:srcRect/>
+          <a:stretch>
+            <a:fillRect/>
+          </a:stretch>
+        </p:blipFill>
+        <p:spPr>
+          <a:xfrm>
+            <a:off x="58320" y="-171360"/>
+            <a:ext cx="2107800" cy="1030319"/>
+          </a:xfrm>
+          <a:prstGeom prst="rect">
+            <a:avLst/>
+          </a:prstGeom>
+          <a:noFill/>
+          <a:ln>
+            <a:noFill/>
+          </a:ln>
+        </p:spPr>
+      </p:pic>
+    </p:spTree>
+    <p:extLst>
+      <p:ext uri="{BB962C8B-B14F-4D97-AF65-F5344CB8AC3E}">
+        <p14:creationId xmlns:p14="http://schemas.microsoft.com/office/powerpoint/2010/main" val="2014660573"/>
       </p:ext>
     </p:extLst>
   </p:cSld>

--- a/Primeira apresentacao.pptx
+++ b/Primeira apresentacao.pptx
@@ -8,10 +8,10 @@
     <p:sldId id="256" r:id="rId2"/>
     <p:sldId id="257" r:id="rId3"/>
     <p:sldId id="266" r:id="rId4"/>
-    <p:sldId id="258" r:id="rId5"/>
-    <p:sldId id="259" r:id="rId6"/>
-    <p:sldId id="261" r:id="rId7"/>
-    <p:sldId id="262" r:id="rId8"/>
+    <p:sldId id="270" r:id="rId5"/>
+    <p:sldId id="261" r:id="rId6"/>
+    <p:sldId id="262" r:id="rId7"/>
+    <p:sldId id="259" r:id="rId8"/>
     <p:sldId id="263" r:id="rId9"/>
     <p:sldId id="264" r:id="rId10"/>
     <p:sldId id="265" r:id="rId11"/>
@@ -19,6 +19,8 @@
     <p:sldId id="268" r:id="rId13"/>
     <p:sldId id="260" r:id="rId14"/>
     <p:sldId id="269" r:id="rId15"/>
+    <p:sldId id="272" r:id="rId16"/>
+    <p:sldId id="271" r:id="rId17"/>
   </p:sldIdLst>
   <p:sldSz cx="12192000" cy="6858000"/>
   <p:notesSz cx="6858000" cy="9144000"/>
@@ -256,7 +258,7 @@
           <a:p>
             <a:fld id="{7AD78751-984F-44E5-BFE2-0CAA52F6D263}" type="datetimeFigureOut">
               <a:rPr lang="pt-BR" smtClean="0"/>
-              <a:t>07/10/2015</a:t>
+              <a:t>14/10/2015</a:t>
             </a:fld>
             <a:endParaRPr lang="pt-BR"/>
           </a:p>
@@ -426,7 +428,7 @@
           <a:p>
             <a:fld id="{7AD78751-984F-44E5-BFE2-0CAA52F6D263}" type="datetimeFigureOut">
               <a:rPr lang="pt-BR" smtClean="0"/>
-              <a:t>07/10/2015</a:t>
+              <a:t>14/10/2015</a:t>
             </a:fld>
             <a:endParaRPr lang="pt-BR"/>
           </a:p>
@@ -606,7 +608,7 @@
           <a:p>
             <a:fld id="{7AD78751-984F-44E5-BFE2-0CAA52F6D263}" type="datetimeFigureOut">
               <a:rPr lang="pt-BR" smtClean="0"/>
-              <a:t>07/10/2015</a:t>
+              <a:t>14/10/2015</a:t>
             </a:fld>
             <a:endParaRPr lang="pt-BR"/>
           </a:p>
@@ -776,7 +778,7 @@
           <a:p>
             <a:fld id="{7AD78751-984F-44E5-BFE2-0CAA52F6D263}" type="datetimeFigureOut">
               <a:rPr lang="pt-BR" smtClean="0"/>
-              <a:t>07/10/2015</a:t>
+              <a:t>14/10/2015</a:t>
             </a:fld>
             <a:endParaRPr lang="pt-BR"/>
           </a:p>
@@ -1022,7 +1024,7 @@
           <a:p>
             <a:fld id="{7AD78751-984F-44E5-BFE2-0CAA52F6D263}" type="datetimeFigureOut">
               <a:rPr lang="pt-BR" smtClean="0"/>
-              <a:t>07/10/2015</a:t>
+              <a:t>14/10/2015</a:t>
             </a:fld>
             <a:endParaRPr lang="pt-BR"/>
           </a:p>
@@ -1254,7 +1256,7 @@
           <a:p>
             <a:fld id="{7AD78751-984F-44E5-BFE2-0CAA52F6D263}" type="datetimeFigureOut">
               <a:rPr lang="pt-BR" smtClean="0"/>
-              <a:t>07/10/2015</a:t>
+              <a:t>14/10/2015</a:t>
             </a:fld>
             <a:endParaRPr lang="pt-BR"/>
           </a:p>
@@ -1621,7 +1623,7 @@
           <a:p>
             <a:fld id="{7AD78751-984F-44E5-BFE2-0CAA52F6D263}" type="datetimeFigureOut">
               <a:rPr lang="pt-BR" smtClean="0"/>
-              <a:t>07/10/2015</a:t>
+              <a:t>14/10/2015</a:t>
             </a:fld>
             <a:endParaRPr lang="pt-BR"/>
           </a:p>
@@ -1739,7 +1741,7 @@
           <a:p>
             <a:fld id="{7AD78751-984F-44E5-BFE2-0CAA52F6D263}" type="datetimeFigureOut">
               <a:rPr lang="pt-BR" smtClean="0"/>
-              <a:t>07/10/2015</a:t>
+              <a:t>14/10/2015</a:t>
             </a:fld>
             <a:endParaRPr lang="pt-BR"/>
           </a:p>
@@ -1834,7 +1836,7 @@
           <a:p>
             <a:fld id="{7AD78751-984F-44E5-BFE2-0CAA52F6D263}" type="datetimeFigureOut">
               <a:rPr lang="pt-BR" smtClean="0"/>
-              <a:t>07/10/2015</a:t>
+              <a:t>14/10/2015</a:t>
             </a:fld>
             <a:endParaRPr lang="pt-BR"/>
           </a:p>
@@ -2111,7 +2113,7 @@
           <a:p>
             <a:fld id="{7AD78751-984F-44E5-BFE2-0CAA52F6D263}" type="datetimeFigureOut">
               <a:rPr lang="pt-BR" smtClean="0"/>
-              <a:t>07/10/2015</a:t>
+              <a:t>14/10/2015</a:t>
             </a:fld>
             <a:endParaRPr lang="pt-BR"/>
           </a:p>
@@ -2364,7 +2366,7 @@
           <a:p>
             <a:fld id="{7AD78751-984F-44E5-BFE2-0CAA52F6D263}" type="datetimeFigureOut">
               <a:rPr lang="pt-BR" smtClean="0"/>
-              <a:t>07/10/2015</a:t>
+              <a:t>14/10/2015</a:t>
             </a:fld>
             <a:endParaRPr lang="pt-BR"/>
           </a:p>
@@ -2577,7 +2579,7 @@
           <a:p>
             <a:fld id="{7AD78751-984F-44E5-BFE2-0CAA52F6D263}" type="datetimeFigureOut">
               <a:rPr lang="pt-BR" smtClean="0"/>
-              <a:t>07/10/2015</a:t>
+              <a:t>14/10/2015</a:t>
             </a:fld>
             <a:endParaRPr lang="pt-BR"/>
           </a:p>
@@ -3149,6 +3151,30 @@
           </a:p>
         </p:txBody>
       </p:sp>
+      <p:pic>
+        <p:nvPicPr>
+          <p:cNvPr id="6" name="Imagem 5"/>
+          <p:cNvPicPr>
+            <a:picLocks noChangeAspect="1"/>
+          </p:cNvPicPr>
+          <p:nvPr/>
+        </p:nvPicPr>
+        <p:blipFill>
+          <a:blip r:embed="rId3"/>
+          <a:stretch>
+            <a:fillRect/>
+          </a:stretch>
+        </p:blipFill>
+        <p:spPr>
+          <a:xfrm>
+            <a:off x="11171163" y="0"/>
+            <a:ext cx="1020837" cy="1373269"/>
+          </a:xfrm>
+          <a:prstGeom prst="rect">
+            <a:avLst/>
+          </a:prstGeom>
+        </p:spPr>
+      </p:pic>
     </p:spTree>
     <p:extLst>
       <p:ext uri="{BB962C8B-B14F-4D97-AF65-F5344CB8AC3E}">
@@ -3245,28 +3271,6 @@
               <a:t>conveniente.</a:t>
             </a:r>
           </a:p>
-          <a:p>
-            <a:r>
-              <a:rPr lang="pt-BR" dirty="0"/>
-              <a:t>Para garantir estado consistente global, os processos armazenam com quais outros processos eles criam dependências durante a </a:t>
-            </a:r>
-            <a:r>
-              <a:rPr lang="pt-BR" dirty="0" smtClean="0"/>
-              <a:t>simulação.</a:t>
-            </a:r>
-          </a:p>
-          <a:p>
-            <a:r>
-              <a:rPr lang="pt-BR" dirty="0"/>
-              <a:t>Existem três problemas em checkpoints não-coordenados: o efeito dominó, os checkpoints inúteis e o problema de lixo.</a:t>
-            </a:r>
-          </a:p>
-          <a:p>
-            <a:pPr marL="0" indent="0">
-              <a:buNone/>
-            </a:pPr>
-            <a:endParaRPr lang="pt-BR" dirty="0"/>
-          </a:p>
         </p:txBody>
       </p:sp>
       <p:pic>
@@ -3299,6 +3303,30 @@
           <a:ln>
             <a:noFill/>
           </a:ln>
+        </p:spPr>
+      </p:pic>
+      <p:pic>
+        <p:nvPicPr>
+          <p:cNvPr id="5" name="Imagem 4"/>
+          <p:cNvPicPr>
+            <a:picLocks noChangeAspect="1"/>
+          </p:cNvPicPr>
+          <p:nvPr/>
+        </p:nvPicPr>
+        <p:blipFill>
+          <a:blip r:embed="rId3"/>
+          <a:stretch>
+            <a:fillRect/>
+          </a:stretch>
+        </p:blipFill>
+        <p:spPr>
+          <a:xfrm>
+            <a:off x="11171163" y="0"/>
+            <a:ext cx="1020837" cy="1373269"/>
+          </a:xfrm>
+          <a:prstGeom prst="rect">
+            <a:avLst/>
+          </a:prstGeom>
         </p:spPr>
       </p:pic>
     </p:spTree>
@@ -3641,7 +3669,15 @@
             </a:pPr>
             <a:r>
               <a:rPr lang="pt-BR" sz="1600" dirty="0" smtClean="0"/>
-              <a:t>Figura 1. Conjunto consistente e inconsistente em um sistema distribuído.</a:t>
+              <a:t>Figura </a:t>
+            </a:r>
+            <a:r>
+              <a:rPr lang="pt-BR" sz="1600" dirty="0" smtClean="0"/>
+              <a:t>2. </a:t>
+            </a:r>
+            <a:r>
+              <a:rPr lang="pt-BR" sz="1600" dirty="0" smtClean="0"/>
+              <a:t>Conjunto consistente e inconsistente em um sistema distribuído.</a:t>
             </a:r>
           </a:p>
           <a:p>
@@ -3653,6 +3689,30 @@
           </a:p>
         </p:txBody>
       </p:sp>
+      <p:pic>
+        <p:nvPicPr>
+          <p:cNvPr id="7" name="Imagem 6"/>
+          <p:cNvPicPr>
+            <a:picLocks noChangeAspect="1"/>
+          </p:cNvPicPr>
+          <p:nvPr/>
+        </p:nvPicPr>
+        <p:blipFill>
+          <a:blip r:embed="rId4"/>
+          <a:stretch>
+            <a:fillRect/>
+          </a:stretch>
+        </p:blipFill>
+        <p:spPr>
+          <a:xfrm>
+            <a:off x="11171163" y="0"/>
+            <a:ext cx="1020837" cy="1373269"/>
+          </a:xfrm>
+          <a:prstGeom prst="rect">
+            <a:avLst/>
+          </a:prstGeom>
+        </p:spPr>
+      </p:pic>
     </p:spTree>
     <p:extLst>
       <p:ext uri="{BB962C8B-B14F-4D97-AF65-F5344CB8AC3E}">
@@ -3729,21 +3789,14 @@
         </p:spPr>
         <p:txBody>
           <a:bodyPr>
-            <a:normAutofit lnSpcReduction="10000"/>
+            <a:normAutofit/>
           </a:bodyPr>
           <a:lstStyle/>
           <a:p>
             <a:r>
-              <a:rPr lang="pt-BR" dirty="0" smtClean="0"/>
-              <a:t>Quando o processo de Rollback ocorre, processos podem sofrer com mensagens órfãs, que nada mais é do que quando um processo que havia enviado uma mensagem retrocede a um checkpoint anterior ao envio da mesma.</a:t>
-            </a:r>
-            <a:endParaRPr lang="pt-BR" dirty="0" smtClean="0"/>
-          </a:p>
-          <a:p>
-            <a:pPr marL="0" indent="0">
-              <a:buNone/>
-            </a:pPr>
-            <a:endParaRPr lang="pt-BR" dirty="0"/>
+              <a:rPr lang="pt-BR" dirty="0"/>
+              <a:t>O efeito dominó se dá quando são criadas dependências entre processos que levam o processo de Rollback até o estado inicial da simulação.</a:t>
+            </a:r>
           </a:p>
         </p:txBody>
       </p:sp>
@@ -4006,6 +4059,30 @@
           </a:prstGeom>
         </p:spPr>
       </p:pic>
+      <p:pic>
+        <p:nvPicPr>
+          <p:cNvPr id="8" name="Imagem 7"/>
+          <p:cNvPicPr>
+            <a:picLocks noChangeAspect="1"/>
+          </p:cNvPicPr>
+          <p:nvPr/>
+        </p:nvPicPr>
+        <p:blipFill>
+          <a:blip r:embed="rId4"/>
+          <a:stretch>
+            <a:fillRect/>
+          </a:stretch>
+        </p:blipFill>
+        <p:spPr>
+          <a:xfrm>
+            <a:off x="11171163" y="0"/>
+            <a:ext cx="1020837" cy="1373269"/>
+          </a:xfrm>
+          <a:prstGeom prst="rect">
+            <a:avLst/>
+          </a:prstGeom>
+        </p:spPr>
+      </p:pic>
     </p:spTree>
     <p:extLst>
       <p:ext uri="{BB962C8B-B14F-4D97-AF65-F5344CB8AC3E}">
@@ -4074,16 +4151,75 @@
             <p:ph idx="1"/>
           </p:nvPr>
         </p:nvSpPr>
-        <p:spPr/>
-        <p:txBody>
-          <a:bodyPr/>
+        <p:spPr>
+          <a:xfrm>
+            <a:off x="838200" y="1825624"/>
+            <a:ext cx="10515600" cy="4639569"/>
+          </a:xfrm>
+        </p:spPr>
+        <p:txBody>
+          <a:bodyPr>
+            <a:normAutofit/>
+          </a:bodyPr>
           <a:lstStyle/>
           <a:p>
             <a:r>
               <a:rPr lang="pt-BR" dirty="0" smtClean="0"/>
-              <a:t>TCC I: </a:t>
-            </a:r>
-            <a:endParaRPr lang="pt-BR" dirty="0"/>
+              <a:t>Leitura de referências sobre simulação computacional.</a:t>
+            </a:r>
+          </a:p>
+          <a:p>
+            <a:r>
+              <a:rPr lang="pt-BR" dirty="0" smtClean="0"/>
+              <a:t>Pesquisas </a:t>
+            </a:r>
+            <a:r>
+              <a:rPr lang="pt-BR" dirty="0" smtClean="0"/>
+              <a:t>por técnicas de identificação de estados seguros.</a:t>
+            </a:r>
+          </a:p>
+          <a:p>
+            <a:r>
+              <a:rPr lang="pt-BR" dirty="0" smtClean="0"/>
+              <a:t>Identificação de estratégias de criação de checkpoints a partir de estados seguros.</a:t>
+            </a:r>
+          </a:p>
+          <a:p>
+            <a:r>
+              <a:rPr lang="pt-BR" dirty="0" smtClean="0"/>
+              <a:t>Seleção de </a:t>
+            </a:r>
+            <a:r>
+              <a:rPr lang="pt-BR" dirty="0" smtClean="0"/>
+              <a:t>técnicas em </a:t>
+            </a:r>
+            <a:r>
+              <a:rPr lang="pt-BR" dirty="0" smtClean="0"/>
+              <a:t>relação as características do DCB.</a:t>
+            </a:r>
+          </a:p>
+          <a:p>
+            <a:r>
+              <a:rPr lang="pt-BR" dirty="0" smtClean="0"/>
+              <a:t>Especificação de uma estratégia para geração de checkpoints não coordenados em estados seguros no DCB.</a:t>
+            </a:r>
+          </a:p>
+          <a:p>
+            <a:r>
+              <a:rPr lang="pt-BR" dirty="0" smtClean="0"/>
+              <a:t>Integração da estratégia no DCB.</a:t>
+            </a:r>
+          </a:p>
+          <a:p>
+            <a:r>
+              <a:rPr lang="pt-BR" dirty="0" smtClean="0"/>
+              <a:t>Validação baseada em estudo de caso</a:t>
+            </a:r>
+            <a:r>
+              <a:rPr lang="pt-BR" dirty="0" smtClean="0"/>
+              <a:t>.</a:t>
+            </a:r>
+            <a:endParaRPr lang="pt-BR" dirty="0" smtClean="0"/>
           </a:p>
         </p:txBody>
       </p:sp>
@@ -4117,6 +4253,30 @@
           <a:ln>
             <a:noFill/>
           </a:ln>
+        </p:spPr>
+      </p:pic>
+      <p:pic>
+        <p:nvPicPr>
+          <p:cNvPr id="6" name="Imagem 5"/>
+          <p:cNvPicPr>
+            <a:picLocks noChangeAspect="1"/>
+          </p:cNvPicPr>
+          <p:nvPr/>
+        </p:nvPicPr>
+        <p:blipFill>
+          <a:blip r:embed="rId3"/>
+          <a:stretch>
+            <a:fillRect/>
+          </a:stretch>
+        </p:blipFill>
+        <p:spPr>
+          <a:xfrm>
+            <a:off x="11171163" y="0"/>
+            <a:ext cx="1020837" cy="1373269"/>
+          </a:xfrm>
+          <a:prstGeom prst="rect">
+            <a:avLst/>
+          </a:prstGeom>
         </p:spPr>
       </p:pic>
     </p:spTree>
@@ -4232,10 +4392,583 @@
           </a:ln>
         </p:spPr>
       </p:pic>
+      <p:pic>
+        <p:nvPicPr>
+          <p:cNvPr id="6" name="Imagem 5"/>
+          <p:cNvPicPr>
+            <a:picLocks noChangeAspect="1"/>
+          </p:cNvPicPr>
+          <p:nvPr/>
+        </p:nvPicPr>
+        <p:blipFill>
+          <a:blip r:embed="rId3"/>
+          <a:stretch>
+            <a:fillRect/>
+          </a:stretch>
+        </p:blipFill>
+        <p:spPr>
+          <a:xfrm>
+            <a:off x="11171163" y="0"/>
+            <a:ext cx="1020837" cy="1373269"/>
+          </a:xfrm>
+          <a:prstGeom prst="rect">
+            <a:avLst/>
+          </a:prstGeom>
+        </p:spPr>
+      </p:pic>
+      <p:pic>
+        <p:nvPicPr>
+          <p:cNvPr id="8" name="Imagem 7"/>
+          <p:cNvPicPr>
+            <a:picLocks noChangeAspect="1"/>
+          </p:cNvPicPr>
+          <p:nvPr/>
+        </p:nvPicPr>
+        <p:blipFill>
+          <a:blip r:embed="rId4"/>
+          <a:stretch>
+            <a:fillRect/>
+          </a:stretch>
+        </p:blipFill>
+        <p:spPr>
+          <a:xfrm>
+            <a:off x="1690751" y="1528046"/>
+            <a:ext cx="8810497" cy="4946495"/>
+          </a:xfrm>
+          <a:prstGeom prst="rect">
+            <a:avLst/>
+          </a:prstGeom>
+        </p:spPr>
+      </p:pic>
     </p:spTree>
     <p:extLst>
       <p:ext uri="{BB962C8B-B14F-4D97-AF65-F5344CB8AC3E}">
         <p14:creationId xmlns:p14="http://schemas.microsoft.com/office/powerpoint/2010/main" val="2014660573"/>
+      </p:ext>
+    </p:extLst>
+  </p:cSld>
+  <p:clrMapOvr>
+    <a:masterClrMapping/>
+  </p:clrMapOvr>
+</p:sld>
+</file>
+
+<file path=ppt/slides/slide15.xml><?xml version="1.0" encoding="utf-8"?>
+<p:sld xmlns:a="http://schemas.openxmlformats.org/drawingml/2006/main" xmlns:r="http://schemas.openxmlformats.org/officeDocument/2006/relationships" xmlns:p="http://schemas.openxmlformats.org/presentationml/2006/main">
+  <p:cSld>
+    <p:spTree>
+      <p:nvGrpSpPr>
+        <p:cNvPr id="1" name=""/>
+        <p:cNvGrpSpPr/>
+        <p:nvPr/>
+      </p:nvGrpSpPr>
+      <p:grpSpPr>
+        <a:xfrm>
+          <a:off x="0" y="0"/>
+          <a:ext cx="0" cy="0"/>
+          <a:chOff x="0" y="0"/>
+          <a:chExt cx="0" cy="0"/>
+        </a:xfrm>
+      </p:grpSpPr>
+      <p:sp>
+        <p:nvSpPr>
+          <p:cNvPr id="2" name="Título 1"/>
+          <p:cNvSpPr>
+            <a:spLocks noGrp="1"/>
+          </p:cNvSpPr>
+          <p:nvPr>
+            <p:ph type="title"/>
+          </p:nvPr>
+        </p:nvSpPr>
+        <p:spPr>
+          <a:xfrm>
+            <a:off x="838200" y="500062"/>
+            <a:ext cx="10515600" cy="1325563"/>
+          </a:xfrm>
+        </p:spPr>
+        <p:txBody>
+          <a:bodyPr/>
+          <a:lstStyle/>
+          <a:p>
+            <a:r>
+              <a:rPr lang="pt-BR" dirty="0" smtClean="0"/>
+              <a:t>Referências</a:t>
+            </a:r>
+            <a:endParaRPr lang="pt-BR" dirty="0"/>
+          </a:p>
+        </p:txBody>
+      </p:sp>
+      <p:sp>
+        <p:nvSpPr>
+          <p:cNvPr id="3" name="Espaço Reservado para Conteúdo 2"/>
+          <p:cNvSpPr>
+            <a:spLocks noGrp="1"/>
+          </p:cNvSpPr>
+          <p:nvPr>
+            <p:ph idx="1"/>
+          </p:nvPr>
+        </p:nvSpPr>
+        <p:spPr/>
+        <p:txBody>
+          <a:bodyPr>
+            <a:normAutofit/>
+          </a:bodyPr>
+          <a:lstStyle/>
+          <a:p>
+            <a:r>
+              <a:rPr lang="en-US" dirty="0"/>
+              <a:t>LAW, A. M.; KELTON, W. D. Simulation Modeling &amp; Analysis. 2. ed. </a:t>
+            </a:r>
+            <a:r>
+              <a:rPr lang="en-US" dirty="0" smtClean="0"/>
+              <a:t>New York</a:t>
+            </a:r>
+            <a:r>
+              <a:rPr lang="en-US" dirty="0"/>
+              <a:t>: McGraw-Hill, 1991. 759 p</a:t>
+            </a:r>
+            <a:r>
+              <a:rPr lang="en-US" dirty="0" smtClean="0"/>
+              <a:t>.</a:t>
+            </a:r>
+          </a:p>
+          <a:p>
+            <a:r>
+              <a:rPr lang="pt-BR" dirty="0" smtClean="0"/>
+              <a:t> </a:t>
+            </a:r>
+            <a:r>
+              <a:rPr lang="pt-BR" dirty="0"/>
+              <a:t>ELNOZAHY, E. N.; ALVISI, L.; WANG, Y.-M.; JOHNSON, D. B. A </a:t>
+            </a:r>
+            <a:r>
+              <a:rPr lang="pt-BR" dirty="0" err="1" smtClean="0"/>
+              <a:t>Survey</a:t>
+            </a:r>
+            <a:r>
+              <a:rPr lang="pt-BR" dirty="0"/>
+              <a:t> </a:t>
+            </a:r>
+            <a:r>
+              <a:rPr lang="pt-BR" dirty="0" err="1" smtClean="0"/>
+              <a:t>of</a:t>
+            </a:r>
+            <a:r>
+              <a:rPr lang="pt-BR" dirty="0" smtClean="0"/>
+              <a:t> </a:t>
+            </a:r>
+            <a:r>
+              <a:rPr lang="pt-BR" dirty="0"/>
+              <a:t>Rollback-Recovery </a:t>
+            </a:r>
+            <a:r>
+              <a:rPr lang="pt-BR" dirty="0" err="1"/>
+              <a:t>Protocols</a:t>
+            </a:r>
+            <a:r>
+              <a:rPr lang="pt-BR" dirty="0"/>
+              <a:t> in </a:t>
+            </a:r>
+            <a:r>
+              <a:rPr lang="pt-BR" dirty="0" err="1"/>
+              <a:t>Message-Passing</a:t>
+            </a:r>
+            <a:r>
+              <a:rPr lang="pt-BR" dirty="0"/>
+              <a:t> Systems. </a:t>
+            </a:r>
+            <a:r>
+              <a:rPr lang="pt-BR" dirty="0" smtClean="0"/>
+              <a:t>ACM </a:t>
+            </a:r>
+            <a:r>
+              <a:rPr lang="pt-BR" dirty="0" err="1" smtClean="0"/>
+              <a:t>Computing</a:t>
+            </a:r>
+            <a:r>
+              <a:rPr lang="pt-BR" dirty="0" smtClean="0"/>
+              <a:t> </a:t>
+            </a:r>
+            <a:r>
+              <a:rPr lang="pt-BR" dirty="0" err="1"/>
+              <a:t>Surveys</a:t>
+            </a:r>
+            <a:r>
+              <a:rPr lang="pt-BR" dirty="0"/>
+              <a:t>, v. 34, n. 3, p. 375-408, sep. 2002</a:t>
+            </a:r>
+            <a:r>
+              <a:rPr lang="pt-BR" dirty="0" smtClean="0"/>
+              <a:t>.</a:t>
+            </a:r>
+          </a:p>
+          <a:p>
+            <a:r>
+              <a:rPr lang="pt-BR" dirty="0"/>
+              <a:t>MELLO, B. A. </a:t>
+            </a:r>
+            <a:r>
+              <a:rPr lang="pt-BR" dirty="0" err="1"/>
+              <a:t>Co-Simulação</a:t>
+            </a:r>
+            <a:r>
+              <a:rPr lang="pt-BR" dirty="0"/>
+              <a:t> Distribuída de Sistemas Heterogêneos. </a:t>
+            </a:r>
+            <a:r>
+              <a:rPr lang="pt-BR" dirty="0" smtClean="0"/>
+              <a:t>2005. 145 </a:t>
+            </a:r>
+            <a:r>
+              <a:rPr lang="pt-BR" dirty="0"/>
+              <a:t>p. Tese (Doutorado em Computação) - Universidade Federal do Rio </a:t>
+            </a:r>
+            <a:r>
+              <a:rPr lang="pt-BR" dirty="0" smtClean="0"/>
+              <a:t>Grande do </a:t>
+            </a:r>
+            <a:r>
+              <a:rPr lang="pt-BR" dirty="0"/>
+              <a:t>Sul, Porto Alegre</a:t>
+            </a:r>
+            <a:r>
+              <a:rPr lang="pt-BR" dirty="0" smtClean="0"/>
+              <a:t>.</a:t>
+            </a:r>
+            <a:endParaRPr lang="pt-BR" dirty="0"/>
+          </a:p>
+        </p:txBody>
+      </p:sp>
+      <p:pic>
+        <p:nvPicPr>
+          <p:cNvPr id="5" name="Picture 2"/>
+          <p:cNvPicPr>
+            <a:picLocks noChangeAspect="1"/>
+          </p:cNvPicPr>
+          <p:nvPr/>
+        </p:nvPicPr>
+        <p:blipFill>
+          <a:blip r:embed="rId2">
+            <a:lum bright="-50000"/>
+            <a:alphaModFix/>
+          </a:blip>
+          <a:srcRect/>
+          <a:stretch>
+            <a:fillRect/>
+          </a:stretch>
+        </p:blipFill>
+        <p:spPr>
+          <a:xfrm>
+            <a:off x="58320" y="-171360"/>
+            <a:ext cx="2107800" cy="1030319"/>
+          </a:xfrm>
+          <a:prstGeom prst="rect">
+            <a:avLst/>
+          </a:prstGeom>
+          <a:noFill/>
+          <a:ln>
+            <a:noFill/>
+          </a:ln>
+        </p:spPr>
+      </p:pic>
+      <p:pic>
+        <p:nvPicPr>
+          <p:cNvPr id="6" name="Imagem 5"/>
+          <p:cNvPicPr>
+            <a:picLocks noChangeAspect="1"/>
+          </p:cNvPicPr>
+          <p:nvPr/>
+        </p:nvPicPr>
+        <p:blipFill>
+          <a:blip r:embed="rId3"/>
+          <a:stretch>
+            <a:fillRect/>
+          </a:stretch>
+        </p:blipFill>
+        <p:spPr>
+          <a:xfrm>
+            <a:off x="11171163" y="0"/>
+            <a:ext cx="1020837" cy="1373269"/>
+          </a:xfrm>
+          <a:prstGeom prst="rect">
+            <a:avLst/>
+          </a:prstGeom>
+        </p:spPr>
+      </p:pic>
+    </p:spTree>
+    <p:extLst>
+      <p:ext uri="{BB962C8B-B14F-4D97-AF65-F5344CB8AC3E}">
+        <p14:creationId xmlns:p14="http://schemas.microsoft.com/office/powerpoint/2010/main" val="471875096"/>
+      </p:ext>
+    </p:extLst>
+  </p:cSld>
+  <p:clrMapOvr>
+    <a:masterClrMapping/>
+  </p:clrMapOvr>
+</p:sld>
+</file>
+
+<file path=ppt/slides/slide16.xml><?xml version="1.0" encoding="utf-8"?>
+<p:sld xmlns:a="http://schemas.openxmlformats.org/drawingml/2006/main" xmlns:r="http://schemas.openxmlformats.org/officeDocument/2006/relationships" xmlns:p="http://schemas.openxmlformats.org/presentationml/2006/main">
+  <p:cSld>
+    <p:spTree>
+      <p:nvGrpSpPr>
+        <p:cNvPr id="1" name=""/>
+        <p:cNvGrpSpPr/>
+        <p:nvPr/>
+      </p:nvGrpSpPr>
+      <p:grpSpPr>
+        <a:xfrm>
+          <a:off x="0" y="0"/>
+          <a:ext cx="0" cy="0"/>
+          <a:chOff x="0" y="0"/>
+          <a:chExt cx="0" cy="0"/>
+        </a:xfrm>
+      </p:grpSpPr>
+      <p:sp>
+        <p:nvSpPr>
+          <p:cNvPr id="2" name="Título 1"/>
+          <p:cNvSpPr>
+            <a:spLocks noGrp="1"/>
+          </p:cNvSpPr>
+          <p:nvPr>
+            <p:ph type="ctrTitle"/>
+          </p:nvPr>
+        </p:nvSpPr>
+        <p:spPr>
+          <a:xfrm>
+            <a:off x="1524000" y="1194751"/>
+            <a:ext cx="9144000" cy="2387600"/>
+          </a:xfrm>
+        </p:spPr>
+        <p:txBody>
+          <a:bodyPr>
+            <a:normAutofit/>
+          </a:bodyPr>
+          <a:lstStyle/>
+          <a:p>
+            <a:r>
+              <a:rPr lang="pt-BR" sz="4400" dirty="0" smtClean="0"/>
+              <a:t>Identificação de estados seguros para reduzir a criação de Checkpoints não coordenados sem valor. </a:t>
+            </a:r>
+            <a:endParaRPr lang="pt-BR" sz="4400" dirty="0"/>
+          </a:p>
+        </p:txBody>
+      </p:sp>
+      <p:sp>
+        <p:nvSpPr>
+          <p:cNvPr id="3" name="Subtítulo 2"/>
+          <p:cNvSpPr>
+            <a:spLocks noGrp="1"/>
+          </p:cNvSpPr>
+          <p:nvPr>
+            <p:ph type="subTitle" idx="1"/>
+          </p:nvPr>
+        </p:nvSpPr>
+        <p:spPr>
+          <a:xfrm>
+            <a:off x="1524000" y="3745149"/>
+            <a:ext cx="9144000" cy="1655762"/>
+          </a:xfrm>
+        </p:spPr>
+        <p:txBody>
+          <a:bodyPr/>
+          <a:lstStyle/>
+          <a:p>
+            <a:r>
+              <a:rPr lang="pt-BR" dirty="0" smtClean="0"/>
+              <a:t>Guilherme Bizzani</a:t>
+            </a:r>
+          </a:p>
+          <a:p>
+            <a:r>
+              <a:rPr lang="pt-BR" dirty="0" smtClean="0"/>
+              <a:t>bizzani11@Hotmail.com</a:t>
+            </a:r>
+          </a:p>
+          <a:p>
+            <a:r>
+              <a:rPr lang="pt-BR" dirty="0" err="1" smtClean="0"/>
+              <a:t>Braulio</a:t>
+            </a:r>
+            <a:r>
+              <a:rPr lang="pt-BR" dirty="0" smtClean="0"/>
+              <a:t> Adriano de Mello, Orientador</a:t>
+            </a:r>
+            <a:endParaRPr lang="pt-BR" dirty="0"/>
+          </a:p>
+        </p:txBody>
+      </p:sp>
+      <p:pic>
+        <p:nvPicPr>
+          <p:cNvPr id="4" name="Picture 2"/>
+          <p:cNvPicPr>
+            <a:picLocks noChangeAspect="1"/>
+          </p:cNvPicPr>
+          <p:nvPr/>
+        </p:nvPicPr>
+        <p:blipFill>
+          <a:blip r:embed="rId2">
+            <a:lum bright="-50000"/>
+            <a:alphaModFix/>
+          </a:blip>
+          <a:srcRect/>
+          <a:stretch>
+            <a:fillRect/>
+          </a:stretch>
+        </p:blipFill>
+        <p:spPr>
+          <a:xfrm>
+            <a:off x="58320" y="-171360"/>
+            <a:ext cx="2107800" cy="1030319"/>
+          </a:xfrm>
+          <a:prstGeom prst="rect">
+            <a:avLst/>
+          </a:prstGeom>
+          <a:noFill/>
+          <a:ln>
+            <a:noFill/>
+          </a:ln>
+        </p:spPr>
+      </p:pic>
+      <p:sp>
+        <p:nvSpPr>
+          <p:cNvPr id="5" name="Título 1"/>
+          <p:cNvSpPr txBox="1">
+            <a:spLocks/>
+          </p:cNvSpPr>
+          <p:nvPr/>
+        </p:nvSpPr>
+        <p:spPr>
+          <a:xfrm>
+            <a:off x="1524000" y="695163"/>
+            <a:ext cx="9144000" cy="944163"/>
+          </a:xfrm>
+          <a:prstGeom prst="rect">
+            <a:avLst/>
+          </a:prstGeom>
+        </p:spPr>
+        <p:txBody>
+          <a:bodyPr vert="horz" lIns="91440" tIns="45720" rIns="91440" bIns="45720" rtlCol="0" anchor="b">
+            <a:normAutofit/>
+          </a:bodyPr>
+          <a:lstStyle>
+            <a:lvl1pPr algn="ctr" defTabSz="914400" rtl="0" eaLnBrk="1" latinLnBrk="0" hangingPunct="1">
+              <a:lnSpc>
+                <a:spcPct val="90000"/>
+              </a:lnSpc>
+              <a:spcBef>
+                <a:spcPct val="0"/>
+              </a:spcBef>
+              <a:buNone/>
+              <a:defRPr sz="6000" kern="1200">
+                <a:solidFill>
+                  <a:schemeClr val="tx1"/>
+                </a:solidFill>
+                <a:latin typeface="+mj-lt"/>
+                <a:ea typeface="+mj-ea"/>
+                <a:cs typeface="+mj-cs"/>
+              </a:defRPr>
+            </a:lvl1pPr>
+          </a:lstStyle>
+          <a:p>
+            <a:r>
+              <a:rPr lang="pt-BR" sz="4400" b="1" dirty="0" smtClean="0">
+                <a:solidFill>
+                  <a:schemeClr val="accent6">
+                    <a:lumMod val="75000"/>
+                  </a:schemeClr>
+                </a:solidFill>
+              </a:rPr>
+              <a:t>Universidade Federal da Fronteira Sul</a:t>
+            </a:r>
+            <a:endParaRPr lang="pt-BR" sz="4400" b="1" dirty="0">
+              <a:solidFill>
+                <a:schemeClr val="accent6">
+                  <a:lumMod val="75000"/>
+                </a:schemeClr>
+              </a:solidFill>
+            </a:endParaRPr>
+          </a:p>
+        </p:txBody>
+      </p:sp>
+      <p:sp>
+        <p:nvSpPr>
+          <p:cNvPr id="6" name="Título 1"/>
+          <p:cNvSpPr txBox="1">
+            <a:spLocks/>
+          </p:cNvSpPr>
+          <p:nvPr/>
+        </p:nvSpPr>
+        <p:spPr>
+          <a:xfrm>
+            <a:off x="1524000" y="5236609"/>
+            <a:ext cx="9144000" cy="1045340"/>
+          </a:xfrm>
+          <a:prstGeom prst="rect">
+            <a:avLst/>
+          </a:prstGeom>
+        </p:spPr>
+        <p:txBody>
+          <a:bodyPr vert="horz" lIns="91440" tIns="45720" rIns="91440" bIns="45720" rtlCol="0" anchor="b">
+            <a:normAutofit/>
+          </a:bodyPr>
+          <a:lstStyle>
+            <a:lvl1pPr algn="ctr" defTabSz="914400" rtl="0" eaLnBrk="1" latinLnBrk="0" hangingPunct="1">
+              <a:lnSpc>
+                <a:spcPct val="90000"/>
+              </a:lnSpc>
+              <a:spcBef>
+                <a:spcPct val="0"/>
+              </a:spcBef>
+              <a:buNone/>
+              <a:defRPr sz="6000" kern="1200">
+                <a:solidFill>
+                  <a:schemeClr val="tx1"/>
+                </a:solidFill>
+                <a:latin typeface="+mj-lt"/>
+                <a:ea typeface="+mj-ea"/>
+                <a:cs typeface="+mj-cs"/>
+              </a:defRPr>
+            </a:lvl1pPr>
+          </a:lstStyle>
+          <a:p>
+            <a:r>
+              <a:rPr lang="pt-BR" sz="4400" dirty="0" smtClean="0"/>
+              <a:t>Obrigado!</a:t>
+            </a:r>
+            <a:endParaRPr lang="pt-BR" sz="4400" dirty="0"/>
+          </a:p>
+        </p:txBody>
+      </p:sp>
+      <p:pic>
+        <p:nvPicPr>
+          <p:cNvPr id="7" name="Imagem 6"/>
+          <p:cNvPicPr>
+            <a:picLocks noChangeAspect="1"/>
+          </p:cNvPicPr>
+          <p:nvPr/>
+        </p:nvPicPr>
+        <p:blipFill>
+          <a:blip r:embed="rId3"/>
+          <a:stretch>
+            <a:fillRect/>
+          </a:stretch>
+        </p:blipFill>
+        <p:spPr>
+          <a:xfrm>
+            <a:off x="11171163" y="0"/>
+            <a:ext cx="1020837" cy="1373269"/>
+          </a:xfrm>
+          <a:prstGeom prst="rect">
+            <a:avLst/>
+          </a:prstGeom>
+        </p:spPr>
+      </p:pic>
+    </p:spTree>
+    <p:extLst>
+      <p:ext uri="{BB962C8B-B14F-4D97-AF65-F5344CB8AC3E}">
+        <p14:creationId xmlns:p14="http://schemas.microsoft.com/office/powerpoint/2010/main" val="1220914509"/>
       </p:ext>
     </p:extLst>
   </p:cSld>
@@ -4314,41 +5047,8 @@
           <a:p>
             <a:r>
               <a:rPr lang="pt-BR" sz="2400" dirty="0" smtClean="0"/>
-              <a:t>Problema: </a:t>
-            </a:r>
-            <a:r>
-              <a:rPr lang="pt-BR" sz="2400" dirty="0">
-                <a:solidFill>
-                  <a:srgbClr val="000000"/>
-                </a:solidFill>
-              </a:rPr>
-              <a:t>Nas simulações computacionais, checkpoints são criados para garantir a consistência da simulação no tempo e também evitando o desperdício de </a:t>
-            </a:r>
-            <a:r>
-              <a:rPr lang="pt-BR" sz="2400" dirty="0" smtClean="0">
-                <a:solidFill>
-                  <a:srgbClr val="000000"/>
-                </a:solidFill>
-              </a:rPr>
-              <a:t>computação </a:t>
-            </a:r>
-            <a:r>
-              <a:rPr lang="pt-BR" sz="2400" dirty="0">
-                <a:solidFill>
-                  <a:srgbClr val="000000"/>
-                </a:solidFill>
-              </a:rPr>
-              <a:t>caso ocorra falha por violação de tempo, assim ao invés de voltar a computação do início, ela é retornada de um último checkpoint. Em simulações com múltiplos processos e checkpoints não coordenados, a criação de checkpoints pode ser custosa ou </a:t>
-            </a:r>
-            <a:r>
-              <a:rPr lang="pt-BR" sz="2400" dirty="0" smtClean="0">
-                <a:solidFill>
-                  <a:srgbClr val="000000"/>
-                </a:solidFill>
-              </a:rPr>
-              <a:t>ineficiente.</a:t>
-            </a:r>
-            <a:endParaRPr lang="pt-BR" sz="2400" dirty="0" smtClean="0"/>
+              <a:t>Problema: A criação de checkpoints não coordenados pode ser custosa e ineficiente caso crie muitos checkpoints e estes não façam parte de estados consistentes.</a:t>
+            </a:r>
           </a:p>
           <a:p>
             <a:r>
@@ -4362,23 +5062,55 @@
             <a:endParaRPr lang="pt-BR" sz="2400" dirty="0" smtClean="0"/>
           </a:p>
           <a:p>
-            <a:pPr>
-              <a:buFont typeface="Arial"/>
-              <a:buChar char="•"/>
+            <a:r>
+              <a:rPr lang="pt-BR" sz="2400" dirty="0" smtClean="0"/>
+              <a:t>Objetivos Específicos: </a:t>
+            </a:r>
+          </a:p>
+          <a:p>
+            <a:pPr marL="457200" indent="-457200">
+              <a:buFont typeface="+mj-lt"/>
+              <a:buAutoNum type="arabicPeriod"/>
             </a:pPr>
             <a:r>
+              <a:rPr lang="pt-BR" sz="2400" dirty="0"/>
+              <a:t>Estudo de algoritmos para identificação de estados seguros. </a:t>
+            </a:r>
+          </a:p>
+          <a:p>
+            <a:pPr marL="457200" indent="-457200">
+              <a:buFont typeface="+mj-lt"/>
+              <a:buAutoNum type="arabicPeriod"/>
+            </a:pPr>
+            <a:r>
+              <a:rPr lang="pt-BR" sz="2400" dirty="0"/>
+              <a:t>Fazer um estudo de aderência dos métodos de acordo com requisitos e características do DCB. </a:t>
+            </a:r>
+          </a:p>
+          <a:p>
+            <a:pPr marL="457200" indent="-457200">
+              <a:buFont typeface="+mj-lt"/>
+              <a:buAutoNum type="arabicPeriod"/>
+            </a:pPr>
+            <a:r>
+              <a:rPr lang="pt-BR" sz="2400" dirty="0"/>
+              <a:t>Especificar e implementar os algoritmos de estados seguros e criação de </a:t>
+            </a:r>
+            <a:r>
               <a:rPr lang="pt-BR" sz="2400" dirty="0" smtClean="0"/>
-              <a:t>Justificativa: </a:t>
-            </a:r>
-            <a:r>
-              <a:rPr lang="pt-BR" sz="2400" dirty="0">
-                <a:solidFill>
-                  <a:srgbClr val="000000"/>
-                </a:solidFill>
-              </a:rPr>
-              <a:t>Checkpoints não coordenados são muito úteis pois reduzem o overhead de mensagens de controle para sua criação, além de garantir a liberdade para cada processo criar seus próprios checkpoints. Portanto é vantajoso o desenvolvimento de trabalhos que contribuam com a redução de checkpoints inúteis no contexto de checkpoints não-coordenados.</a:t>
-            </a:r>
-            <a:endParaRPr lang="pt-BR" sz="2400" dirty="0"/>
+              <a:t>checkpoints não coordenados </a:t>
+            </a:r>
+            <a:r>
+              <a:rPr lang="pt-BR" sz="2400" dirty="0"/>
+              <a:t>no DCB.</a:t>
+            </a:r>
+          </a:p>
+          <a:p>
+            <a:pPr marL="457200" indent="-457200">
+              <a:buFont typeface="+mj-lt"/>
+              <a:buAutoNum type="arabicPeriod"/>
+            </a:pPr>
+            <a:endParaRPr lang="pt-BR" sz="2400" dirty="0" smtClean="0"/>
           </a:p>
         </p:txBody>
       </p:sp>
@@ -4412,6 +5144,30 @@
           <a:ln>
             <a:noFill/>
           </a:ln>
+        </p:spPr>
+      </p:pic>
+      <p:pic>
+        <p:nvPicPr>
+          <p:cNvPr id="5" name="Imagem 4"/>
+          <p:cNvPicPr>
+            <a:picLocks noChangeAspect="1"/>
+          </p:cNvPicPr>
+          <p:nvPr/>
+        </p:nvPicPr>
+        <p:blipFill>
+          <a:blip r:embed="rId3"/>
+          <a:stretch>
+            <a:fillRect/>
+          </a:stretch>
+        </p:blipFill>
+        <p:spPr>
+          <a:xfrm>
+            <a:off x="11171163" y="0"/>
+            <a:ext cx="1020837" cy="1373269"/>
+          </a:xfrm>
+          <a:prstGeom prst="rect">
+            <a:avLst/>
+          </a:prstGeom>
         </p:spPr>
       </p:pic>
     </p:spTree>
@@ -4466,7 +5222,7 @@
           <a:p>
             <a:r>
               <a:rPr lang="pt-BR" dirty="0" smtClean="0"/>
-              <a:t>Objetivos Específicos</a:t>
+              <a:t>Justificativa</a:t>
             </a:r>
             <a:endParaRPr lang="pt-BR" dirty="0"/>
           </a:p>
@@ -4484,7 +5240,9 @@
         </p:nvSpPr>
         <p:spPr/>
         <p:txBody>
-          <a:bodyPr/>
+          <a:bodyPr>
+            <a:normAutofit/>
+          </a:bodyPr>
           <a:lstStyle/>
           <a:p>
             <a:pPr>
@@ -4492,32 +5250,20 @@
               <a:buChar char="•"/>
             </a:pPr>
             <a:r>
-              <a:rPr lang="pt-BR" dirty="0" smtClean="0"/>
-              <a:t>Identificação </a:t>
-            </a:r>
-            <a:r>
-              <a:rPr lang="pt-BR" dirty="0"/>
-              <a:t>e análise de algoritmos para identificação de estados seguros. </a:t>
-            </a:r>
-          </a:p>
-          <a:p>
-            <a:pPr>
-              <a:buFont typeface="Arial"/>
-              <a:buChar char="•"/>
-            </a:pPr>
-            <a:r>
-              <a:rPr lang="pt-BR" dirty="0"/>
-              <a:t>Fazer um estudo de aderência dos métodos de acordo com requisitos e características do DCB. </a:t>
-            </a:r>
-          </a:p>
-          <a:p>
-            <a:r>
-              <a:rPr lang="pt-BR" dirty="0"/>
-              <a:t>Especificar e implementar os algoritmos de estados seguros e criação de checkpoints no </a:t>
-            </a:r>
-            <a:r>
-              <a:rPr lang="pt-BR" dirty="0" smtClean="0"/>
-              <a:t>DCB.</a:t>
+              <a:rPr lang="pt-BR" dirty="0" smtClean="0">
+                <a:solidFill>
+                  <a:srgbClr val="000000"/>
+                </a:solidFill>
+              </a:rPr>
+              <a:t>Checkpoints </a:t>
+            </a:r>
+            <a:r>
+              <a:rPr lang="pt-BR" dirty="0">
+                <a:solidFill>
+                  <a:srgbClr val="000000"/>
+                </a:solidFill>
+              </a:rPr>
+              <a:t>não coordenados são muito úteis pois reduzem o overhead de mensagens de controle para sua criação, além de garantir a liberdade para cada processo criar seus próprios checkpoints. </a:t>
             </a:r>
             <a:endParaRPr lang="pt-BR" dirty="0"/>
           </a:p>
@@ -4553,6 +5299,30 @@
           <a:ln>
             <a:noFill/>
           </a:ln>
+        </p:spPr>
+      </p:pic>
+      <p:pic>
+        <p:nvPicPr>
+          <p:cNvPr id="5" name="Imagem 4"/>
+          <p:cNvPicPr>
+            <a:picLocks noChangeAspect="1"/>
+          </p:cNvPicPr>
+          <p:nvPr/>
+        </p:nvPicPr>
+        <p:blipFill>
+          <a:blip r:embed="rId3"/>
+          <a:stretch>
+            <a:fillRect/>
+          </a:stretch>
+        </p:blipFill>
+        <p:spPr>
+          <a:xfrm>
+            <a:off x="11171163" y="0"/>
+            <a:ext cx="1020837" cy="1373269"/>
+          </a:xfrm>
+          <a:prstGeom prst="rect">
+            <a:avLst/>
+          </a:prstGeom>
         </p:spPr>
       </p:pic>
     </p:spTree>
@@ -4607,7 +5377,7 @@
           <a:p>
             <a:r>
               <a:rPr lang="pt-BR" dirty="0" smtClean="0"/>
-              <a:t>Referencial Teórico</a:t>
+              <a:t>O que é simulação:</a:t>
             </a:r>
             <a:endParaRPr lang="pt-BR" dirty="0"/>
           </a:p>
@@ -4629,40 +5399,45 @@
           <a:lstStyle/>
           <a:p>
             <a:r>
+              <a:rPr lang="pt-BR" dirty="0"/>
+              <a:t>A simulação de sistemas se define basicamente no desenvolvimento </a:t>
+            </a:r>
+            <a:r>
               <a:rPr lang="pt-BR" dirty="0" smtClean="0"/>
-              <a:t>O que é simulação?</a:t>
-            </a:r>
-          </a:p>
-          <a:p>
+              <a:t>de técnicas </a:t>
+            </a:r>
+            <a:r>
+              <a:rPr lang="pt-BR" dirty="0"/>
+              <a:t>que permitem imitar o comportamento dos sistemas reais, </a:t>
+            </a:r>
             <a:r>
               <a:rPr lang="pt-BR" dirty="0" smtClean="0"/>
-              <a:t>Tipos de simulações (distribuída, heterogênea, modelos híbridos)</a:t>
-            </a:r>
-          </a:p>
-          <a:p>
+              <a:t>permitindo execução </a:t>
+            </a:r>
+            <a:r>
+              <a:rPr lang="pt-BR" dirty="0"/>
+              <a:t>de atividades a partir da construção de modelos que os </a:t>
+            </a:r>
             <a:r>
               <a:rPr lang="pt-BR" dirty="0" smtClean="0"/>
-              <a:t>Checkpoints</a:t>
-            </a:r>
-          </a:p>
-          <a:p>
+              <a:t>representem (Law </a:t>
+            </a:r>
+            <a:r>
+              <a:rPr lang="pt-BR" dirty="0"/>
+              <a:t>&amp; </a:t>
+            </a:r>
+            <a:r>
+              <a:rPr lang="pt-BR" dirty="0" err="1"/>
+              <a:t>Kelton</a:t>
+            </a:r>
+            <a:r>
+              <a:rPr lang="pt-BR" dirty="0"/>
+              <a:t>, 1991</a:t>
+            </a:r>
             <a:r>
               <a:rPr lang="pt-BR" dirty="0" smtClean="0"/>
-              <a:t>Diferença entre checkpoint coordenado e não coordenado</a:t>
-            </a:r>
-          </a:p>
-          <a:p>
-            <a:r>
-              <a:rPr lang="pt-BR" dirty="0"/>
-              <a:t>O que é o DCB?</a:t>
-            </a:r>
-          </a:p>
-          <a:p>
-            <a:r>
-              <a:rPr lang="pt-BR" dirty="0" smtClean="0"/>
-              <a:t>Estados seguros</a:t>
-            </a:r>
-            <a:endParaRPr lang="pt-BR" dirty="0"/>
+              <a:t>).</a:t>
+            </a:r>
           </a:p>
         </p:txBody>
       </p:sp>
@@ -4698,10 +5473,34 @@
           </a:ln>
         </p:spPr>
       </p:pic>
+      <p:pic>
+        <p:nvPicPr>
+          <p:cNvPr id="5" name="Imagem 4"/>
+          <p:cNvPicPr>
+            <a:picLocks noChangeAspect="1"/>
+          </p:cNvPicPr>
+          <p:nvPr/>
+        </p:nvPicPr>
+        <p:blipFill>
+          <a:blip r:embed="rId3"/>
+          <a:stretch>
+            <a:fillRect/>
+          </a:stretch>
+        </p:blipFill>
+        <p:spPr>
+          <a:xfrm>
+            <a:off x="11171163" y="16476"/>
+            <a:ext cx="1020837" cy="1373269"/>
+          </a:xfrm>
+          <a:prstGeom prst="rect">
+            <a:avLst/>
+          </a:prstGeom>
+        </p:spPr>
+      </p:pic>
     </p:spTree>
     <p:extLst>
       <p:ext uri="{BB962C8B-B14F-4D97-AF65-F5344CB8AC3E}">
-        <p14:creationId xmlns:p14="http://schemas.microsoft.com/office/powerpoint/2010/main" val="728819742"/>
+        <p14:creationId xmlns:p14="http://schemas.microsoft.com/office/powerpoint/2010/main" val="3499248036"/>
       </p:ext>
     </p:extLst>
   </p:cSld>
@@ -4750,7 +5549,7 @@
           <a:p>
             <a:r>
               <a:rPr lang="pt-BR" dirty="0" smtClean="0"/>
-              <a:t>O que é simulação:</a:t>
+              <a:t>Simulação Distribuída</a:t>
             </a:r>
             <a:endParaRPr lang="pt-BR" dirty="0"/>
           </a:p>
@@ -4773,67 +5572,28 @@
           <a:p>
             <a:r>
               <a:rPr lang="pt-BR" dirty="0"/>
-              <a:t>A simulação de sistemas se define basicamente no desenvolvimento </a:t>
+              <a:t>Na simulação distribuída, um único modelo de simulação tem seus </a:t>
             </a:r>
             <a:r>
               <a:rPr lang="pt-BR" dirty="0" smtClean="0"/>
-              <a:t>de técnicas </a:t>
+              <a:t>processos lógicos </a:t>
             </a:r>
             <a:r>
               <a:rPr lang="pt-BR" dirty="0"/>
-              <a:t>que permitem imitar o comportamento dos sistemas reais, </a:t>
+              <a:t>executados em ambientes </a:t>
             </a:r>
             <a:r>
               <a:rPr lang="pt-BR" dirty="0" smtClean="0"/>
-              <a:t>permitindo execução </a:t>
+              <a:t>computacionais distribuídos </a:t>
             </a:r>
             <a:r>
               <a:rPr lang="pt-BR" dirty="0"/>
-              <a:t>de atividades a partir da construção de modelos que os </a:t>
+              <a:t>(Mello </a:t>
             </a:r>
             <a:r>
               <a:rPr lang="pt-BR" dirty="0" smtClean="0"/>
-              <a:t>representem (Law </a:t>
-            </a:r>
-            <a:r>
-              <a:rPr lang="pt-BR" dirty="0"/>
-              <a:t>&amp; </a:t>
-            </a:r>
-            <a:r>
-              <a:rPr lang="pt-BR" dirty="0" err="1"/>
-              <a:t>Kelton</a:t>
-            </a:r>
-            <a:r>
-              <a:rPr lang="pt-BR" dirty="0"/>
-              <a:t>, 1991</a:t>
-            </a:r>
-            <a:r>
-              <a:rPr lang="pt-BR" dirty="0" smtClean="0"/>
-              <a:t>).</a:t>
-            </a:r>
-          </a:p>
-          <a:p>
-            <a:r>
-              <a:rPr lang="pt-BR" dirty="0" smtClean="0"/>
-              <a:t>Simulação computacional é um processo de experimentos de sistemas ou fenômenos reais realizado através dos modelos computacionais, portanto nada </a:t>
-            </a:r>
-            <a:r>
-              <a:rPr lang="pt-BR" dirty="0"/>
-              <a:t>mais é do que a passagem para um </a:t>
-            </a:r>
-            <a:r>
-              <a:rPr lang="pt-BR" dirty="0" smtClean="0"/>
-              <a:t>modelo computacional </a:t>
-            </a:r>
-            <a:r>
-              <a:rPr lang="pt-BR" dirty="0"/>
-              <a:t>das principais características de um sistema real o qual se </a:t>
-            </a:r>
-            <a:r>
-              <a:rPr lang="pt-BR" dirty="0" smtClean="0"/>
-              <a:t>deseja simular.</a:t>
-            </a:r>
-            <a:endParaRPr lang="pt-BR" dirty="0"/>
+              <a:t>2005).</a:t>
+            </a:r>
           </a:p>
         </p:txBody>
       </p:sp>
@@ -4869,10 +5629,34 @@
           </a:ln>
         </p:spPr>
       </p:pic>
+      <p:pic>
+        <p:nvPicPr>
+          <p:cNvPr id="5" name="Imagem 4"/>
+          <p:cNvPicPr>
+            <a:picLocks noChangeAspect="1"/>
+          </p:cNvPicPr>
+          <p:nvPr/>
+        </p:nvPicPr>
+        <p:blipFill>
+          <a:blip r:embed="rId3"/>
+          <a:stretch>
+            <a:fillRect/>
+          </a:stretch>
+        </p:blipFill>
+        <p:spPr>
+          <a:xfrm>
+            <a:off x="11171163" y="0"/>
+            <a:ext cx="1020837" cy="1373269"/>
+          </a:xfrm>
+          <a:prstGeom prst="rect">
+            <a:avLst/>
+          </a:prstGeom>
+        </p:spPr>
+      </p:pic>
     </p:spTree>
     <p:extLst>
       <p:ext uri="{BB962C8B-B14F-4D97-AF65-F5344CB8AC3E}">
-        <p14:creationId xmlns:p14="http://schemas.microsoft.com/office/powerpoint/2010/main" val="2211282097"/>
+        <p14:creationId xmlns:p14="http://schemas.microsoft.com/office/powerpoint/2010/main" val="1511711689"/>
       </p:ext>
     </p:extLst>
   </p:cSld>
@@ -4921,7 +5705,7 @@
           <a:p>
             <a:r>
               <a:rPr lang="pt-BR" dirty="0" smtClean="0"/>
-              <a:t>Simulação Distribuída</a:t>
+              <a:t>Simulação Heterogênea</a:t>
             </a:r>
             <a:endParaRPr lang="pt-BR" dirty="0"/>
           </a:p>
@@ -4943,34 +5727,24 @@
           <a:lstStyle/>
           <a:p>
             <a:r>
+              <a:rPr lang="pt-BR" dirty="0" smtClean="0"/>
+              <a:t>A </a:t>
+            </a:r>
+            <a:r>
               <a:rPr lang="pt-BR" dirty="0"/>
-              <a:t>Na simulação distribuída, um único modelo de simulação tem seus </a:t>
+              <a:t>modelagem de sistemas de </a:t>
             </a:r>
             <a:r>
               <a:rPr lang="pt-BR" dirty="0" smtClean="0"/>
-              <a:t>processos lógicos </a:t>
+              <a:t>simulação computacional </a:t>
             </a:r>
             <a:r>
               <a:rPr lang="pt-BR" dirty="0"/>
-              <a:t>executados em ambientes </a:t>
+              <a:t>pode ser feita de duas maneiras: homogênea e heterogênea. A diferença entre elas é que a homogênea aceita apenas uma linguagem de programação para todas seus módulos, e a heterogênea aceita mais de uma linguagem de </a:t>
             </a:r>
             <a:r>
               <a:rPr lang="pt-BR" dirty="0" smtClean="0"/>
-              <a:t>computacionais distribuídos </a:t>
-            </a:r>
-            <a:r>
-              <a:rPr lang="pt-BR" dirty="0"/>
-              <a:t>(Mello </a:t>
-            </a:r>
-            <a:r>
-              <a:rPr lang="pt-BR" dirty="0" smtClean="0"/>
-              <a:t>2005).</a:t>
-            </a:r>
-          </a:p>
-          <a:p>
-            <a:r>
-              <a:rPr lang="pt-BR" dirty="0" smtClean="0"/>
-              <a:t>Estes elementos podem estar em um mesmo processador, mas em processos lógicos diferentes (SRIP) ou fisicamente distantes, mas conectados em uma rede LAN ou WAN (MRIP).</a:t>
+              <a:t>programação.</a:t>
             </a:r>
             <a:endParaRPr lang="pt-BR" dirty="0"/>
           </a:p>
@@ -5008,10 +5782,34 @@
           </a:ln>
         </p:spPr>
       </p:pic>
+      <p:pic>
+        <p:nvPicPr>
+          <p:cNvPr id="5" name="Imagem 4"/>
+          <p:cNvPicPr>
+            <a:picLocks noChangeAspect="1"/>
+          </p:cNvPicPr>
+          <p:nvPr/>
+        </p:nvPicPr>
+        <p:blipFill>
+          <a:blip r:embed="rId3"/>
+          <a:stretch>
+            <a:fillRect/>
+          </a:stretch>
+        </p:blipFill>
+        <p:spPr>
+          <a:xfrm>
+            <a:off x="11171163" y="0"/>
+            <a:ext cx="1020837" cy="1373269"/>
+          </a:xfrm>
+          <a:prstGeom prst="rect">
+            <a:avLst/>
+          </a:prstGeom>
+        </p:spPr>
+      </p:pic>
     </p:spTree>
     <p:extLst>
       <p:ext uri="{BB962C8B-B14F-4D97-AF65-F5344CB8AC3E}">
-        <p14:creationId xmlns:p14="http://schemas.microsoft.com/office/powerpoint/2010/main" val="1511711689"/>
+        <p14:creationId xmlns:p14="http://schemas.microsoft.com/office/powerpoint/2010/main" val="738733901"/>
       </p:ext>
     </p:extLst>
   </p:cSld>
@@ -5059,10 +5857,21 @@
           <a:lstStyle/>
           <a:p>
             <a:r>
-              <a:rPr lang="pt-BR" dirty="0" smtClean="0"/>
-              <a:t>Simulação Heterogênea</a:t>
-            </a:r>
-            <a:endParaRPr lang="pt-BR" dirty="0"/>
+              <a:rPr lang="pt-BR" dirty="0" err="1"/>
+              <a:t>Distributed</a:t>
+            </a:r>
+            <a:r>
+              <a:rPr lang="pt-BR" dirty="0"/>
+              <a:t> </a:t>
+            </a:r>
+            <a:r>
+              <a:rPr lang="pt-BR" dirty="0" err="1"/>
+              <a:t>Co-simulation</a:t>
+            </a:r>
+            <a:r>
+              <a:rPr lang="pt-BR" dirty="0"/>
+              <a:t> Backbone (DCB):</a:t>
+            </a:r>
           </a:p>
         </p:txBody>
       </p:sp>
@@ -5076,19 +5885,30 @@
             <p:ph idx="1"/>
           </p:nvPr>
         </p:nvSpPr>
-        <p:spPr/>
-        <p:txBody>
-          <a:bodyPr/>
-          <a:lstStyle/>
-          <a:p>
-            <a:r>
-              <a:rPr lang="pt-BR" dirty="0" smtClean="0"/>
-              <a:t>A </a:t>
-            </a:r>
-            <a:r>
-              <a:rPr lang="pt-BR" dirty="0"/>
-              <a:t>modelagem de sistemas de simulação pode ser feita de duas maneiras: homogênea e heterogênea. A diferença entre elas é que a homogênea aceita apenas uma linguagem de programação para todas seus módulos, e a heterogênea aceita mais de uma linguagem de programação, porém necessita de um módulo responsável pela interpretação das informações transmitidas pelos diversos módulos</a:t>
-            </a:r>
+        <p:spPr>
+          <a:xfrm>
+            <a:off x="838200" y="5091351"/>
+            <a:ext cx="10515600" cy="1085611"/>
+          </a:xfrm>
+        </p:spPr>
+        <p:txBody>
+          <a:bodyPr>
+            <a:normAutofit/>
+          </a:bodyPr>
+          <a:lstStyle/>
+          <a:p>
+            <a:pPr marL="0" indent="0" algn="ctr">
+              <a:buNone/>
+            </a:pPr>
+            <a:r>
+              <a:rPr lang="pt-BR" sz="1600" dirty="0" smtClean="0"/>
+              <a:t>Figura 1. Arquitetura </a:t>
+            </a:r>
+            <a:r>
+              <a:rPr lang="pt-BR" sz="1600" dirty="0" smtClean="0"/>
+              <a:t>do DCB</a:t>
+            </a:r>
+            <a:endParaRPr lang="pt-BR" sz="1600" dirty="0"/>
           </a:p>
         </p:txBody>
       </p:sp>
@@ -5124,10 +5944,58 @@
           </a:ln>
         </p:spPr>
       </p:pic>
+      <p:pic>
+        <p:nvPicPr>
+          <p:cNvPr id="5" name="Imagem 4"/>
+          <p:cNvPicPr>
+            <a:picLocks noChangeAspect="1"/>
+          </p:cNvPicPr>
+          <p:nvPr/>
+        </p:nvPicPr>
+        <p:blipFill>
+          <a:blip r:embed="rId3"/>
+          <a:stretch>
+            <a:fillRect/>
+          </a:stretch>
+        </p:blipFill>
+        <p:spPr>
+          <a:xfrm>
+            <a:off x="11171163" y="0"/>
+            <a:ext cx="1020837" cy="1373269"/>
+          </a:xfrm>
+          <a:prstGeom prst="rect">
+            <a:avLst/>
+          </a:prstGeom>
+        </p:spPr>
+      </p:pic>
+      <p:pic>
+        <p:nvPicPr>
+          <p:cNvPr id="6" name="Imagem 5"/>
+          <p:cNvPicPr>
+            <a:picLocks noChangeAspect="1"/>
+          </p:cNvPicPr>
+          <p:nvPr/>
+        </p:nvPicPr>
+        <p:blipFill>
+          <a:blip r:embed="rId4"/>
+          <a:stretch>
+            <a:fillRect/>
+          </a:stretch>
+        </p:blipFill>
+        <p:spPr>
+          <a:xfrm>
+            <a:off x="3148012" y="2138513"/>
+            <a:ext cx="5895975" cy="2819400"/>
+          </a:xfrm>
+          <a:prstGeom prst="rect">
+            <a:avLst/>
+          </a:prstGeom>
+        </p:spPr>
+      </p:pic>
     </p:spTree>
     <p:extLst>
       <p:ext uri="{BB962C8B-B14F-4D97-AF65-F5344CB8AC3E}">
-        <p14:creationId xmlns:p14="http://schemas.microsoft.com/office/powerpoint/2010/main" val="738733901"/>
+        <p14:creationId xmlns:p14="http://schemas.microsoft.com/office/powerpoint/2010/main" val="2211282097"/>
       </p:ext>
     </p:extLst>
   </p:cSld>
@@ -5208,42 +6076,12 @@
           </a:p>
           <a:p>
             <a:r>
+              <a:rPr lang="pt-BR" dirty="0" smtClean="0"/>
+              <a:t>Esta </a:t>
+            </a:r>
+            <a:r>
               <a:rPr lang="pt-BR" dirty="0"/>
-              <a:t>Em uma simulação assíncrona, caso ocorra uma falha em algum processo, o mesmo pode realizar a operação de </a:t>
-            </a:r>
-            <a:r>
-              <a:rPr lang="pt-BR" i="1" dirty="0" err="1"/>
-              <a:t>rollback</a:t>
-            </a:r>
-            <a:r>
-              <a:rPr lang="pt-BR" i="1" dirty="0"/>
-              <a:t> </a:t>
-            </a:r>
-            <a:r>
-              <a:rPr lang="pt-BR" dirty="0"/>
-              <a:t>baseado em </a:t>
-            </a:r>
-            <a:r>
-              <a:rPr lang="pt-BR" i="1" dirty="0"/>
-              <a:t>checkpoint</a:t>
-            </a:r>
-            <a:r>
-              <a:rPr lang="pt-BR" dirty="0"/>
-              <a:t>, restaurando assim seu estado com base no conjunto de </a:t>
-            </a:r>
-            <a:r>
-              <a:rPr lang="pt-BR" i="1" dirty="0"/>
-              <a:t>checkpoints</a:t>
-            </a:r>
-            <a:r>
-              <a:rPr lang="pt-BR" dirty="0"/>
-              <a:t>.</a:t>
-            </a:r>
-          </a:p>
-          <a:p>
-            <a:r>
-              <a:rPr lang="pt-BR" dirty="0"/>
-              <a:t>Esta característica torna o sistema </a:t>
+              <a:t>característica torna o sistema </a:t>
             </a:r>
             <a:r>
               <a:rPr lang="pt-BR" i="1" dirty="0" err="1"/>
@@ -5303,6 +6141,30 @@
           <a:ln>
             <a:noFill/>
           </a:ln>
+        </p:spPr>
+      </p:pic>
+      <p:pic>
+        <p:nvPicPr>
+          <p:cNvPr id="5" name="Imagem 4"/>
+          <p:cNvPicPr>
+            <a:picLocks noChangeAspect="1"/>
+          </p:cNvPicPr>
+          <p:nvPr/>
+        </p:nvPicPr>
+        <p:blipFill>
+          <a:blip r:embed="rId3"/>
+          <a:stretch>
+            <a:fillRect/>
+          </a:stretch>
+        </p:blipFill>
+        <p:spPr>
+          <a:xfrm>
+            <a:off x="11171163" y="0"/>
+            <a:ext cx="1020837" cy="1373269"/>
+          </a:xfrm>
+          <a:prstGeom prst="rect">
+            <a:avLst/>
+          </a:prstGeom>
         </p:spPr>
       </p:pic>
     </p:spTree>
@@ -5392,55 +6254,8 @@
             </a:r>
             <a:r>
               <a:rPr lang="pt-BR" dirty="0" smtClean="0"/>
-              <a:t>global.</a:t>
-            </a:r>
-          </a:p>
-          <a:p>
-            <a:r>
-              <a:rPr lang="pt-BR" dirty="0"/>
-              <a:t>Checkpoints coordenados simplifica a recuperação e não é suscetível ao efeito dominó, pois todos os processos reiniciam do </a:t>
-            </a:r>
-            <a:r>
-              <a:rPr lang="pt-BR" i="1" dirty="0"/>
-              <a:t>checkpoint</a:t>
-            </a:r>
-            <a:r>
-              <a:rPr lang="pt-BR" dirty="0"/>
-              <a:t> mais recente. Também fazem com que cada processo mantenha apenas um </a:t>
-            </a:r>
-            <a:r>
-              <a:rPr lang="pt-BR" i="1" dirty="0"/>
-              <a:t>checkpoint</a:t>
-            </a:r>
-            <a:r>
-              <a:rPr lang="pt-BR" dirty="0"/>
-              <a:t> permanente, reduzindo o </a:t>
-            </a:r>
-            <a:r>
-              <a:rPr lang="pt-BR" i="1" dirty="0"/>
-              <a:t>overhead</a:t>
-            </a:r>
-            <a:r>
-              <a:rPr lang="pt-BR" dirty="0"/>
-              <a:t> de armazenamento e eliminando a necessidade de coleta de lixo (</a:t>
-            </a:r>
-            <a:r>
-              <a:rPr lang="pt-BR" dirty="0" err="1"/>
-              <a:t>Elnozahy</a:t>
-            </a:r>
-            <a:r>
-              <a:rPr lang="pt-BR" dirty="0"/>
-              <a:t>, et al, 1990).</a:t>
-            </a:r>
-          </a:p>
-          <a:p>
-            <a:pPr marL="0" indent="0">
-              <a:buNone/>
-            </a:pPr>
-            <a:endParaRPr lang="pt-BR" dirty="0" smtClean="0"/>
-          </a:p>
-          <a:p>
-            <a:endParaRPr lang="pt-BR" dirty="0"/>
+              <a:t>global através da troca de mensagens.</a:t>
+            </a:r>
           </a:p>
         </p:txBody>
       </p:sp>
@@ -5474,6 +6289,30 @@
           <a:ln>
             <a:noFill/>
           </a:ln>
+        </p:spPr>
+      </p:pic>
+      <p:pic>
+        <p:nvPicPr>
+          <p:cNvPr id="5" name="Imagem 4"/>
+          <p:cNvPicPr>
+            <a:picLocks noChangeAspect="1"/>
+          </p:cNvPicPr>
+          <p:nvPr/>
+        </p:nvPicPr>
+        <p:blipFill>
+          <a:blip r:embed="rId3"/>
+          <a:stretch>
+            <a:fillRect/>
+          </a:stretch>
+        </p:blipFill>
+        <p:spPr>
+          <a:xfrm>
+            <a:off x="11171163" y="0"/>
+            <a:ext cx="1020837" cy="1373269"/>
+          </a:xfrm>
+          <a:prstGeom prst="rect">
+            <a:avLst/>
+          </a:prstGeom>
         </p:spPr>
       </p:pic>
     </p:spTree>

--- a/Primeira apresentacao.pptx
+++ b/Primeira apresentacao.pptx
@@ -6,8 +6,8 @@
   </p:sldMasterIdLst>
   <p:sldIdLst>
     <p:sldId id="256" r:id="rId2"/>
-    <p:sldId id="257" r:id="rId3"/>
-    <p:sldId id="266" r:id="rId4"/>
+    <p:sldId id="266" r:id="rId3"/>
+    <p:sldId id="274" r:id="rId4"/>
     <p:sldId id="270" r:id="rId5"/>
     <p:sldId id="261" r:id="rId6"/>
     <p:sldId id="262" r:id="rId7"/>
@@ -17,10 +17,12 @@
     <p:sldId id="265" r:id="rId11"/>
     <p:sldId id="267" r:id="rId12"/>
     <p:sldId id="268" r:id="rId13"/>
-    <p:sldId id="260" r:id="rId14"/>
-    <p:sldId id="269" r:id="rId15"/>
-    <p:sldId id="272" r:id="rId16"/>
-    <p:sldId id="271" r:id="rId17"/>
+    <p:sldId id="257" r:id="rId14"/>
+    <p:sldId id="273" r:id="rId15"/>
+    <p:sldId id="260" r:id="rId16"/>
+    <p:sldId id="269" r:id="rId17"/>
+    <p:sldId id="272" r:id="rId18"/>
+    <p:sldId id="271" r:id="rId19"/>
   </p:sldIdLst>
   <p:sldSz cx="12192000" cy="6858000"/>
   <p:notesSz cx="6858000" cy="9144000"/>
@@ -258,7 +260,7 @@
           <a:p>
             <a:fld id="{7AD78751-984F-44E5-BFE2-0CAA52F6D263}" type="datetimeFigureOut">
               <a:rPr lang="pt-BR" smtClean="0"/>
-              <a:t>14/10/2015</a:t>
+              <a:t>15/10/2015</a:t>
             </a:fld>
             <a:endParaRPr lang="pt-BR"/>
           </a:p>
@@ -428,7 +430,7 @@
           <a:p>
             <a:fld id="{7AD78751-984F-44E5-BFE2-0CAA52F6D263}" type="datetimeFigureOut">
               <a:rPr lang="pt-BR" smtClean="0"/>
-              <a:t>14/10/2015</a:t>
+              <a:t>15/10/2015</a:t>
             </a:fld>
             <a:endParaRPr lang="pt-BR"/>
           </a:p>
@@ -608,7 +610,7 @@
           <a:p>
             <a:fld id="{7AD78751-984F-44E5-BFE2-0CAA52F6D263}" type="datetimeFigureOut">
               <a:rPr lang="pt-BR" smtClean="0"/>
-              <a:t>14/10/2015</a:t>
+              <a:t>15/10/2015</a:t>
             </a:fld>
             <a:endParaRPr lang="pt-BR"/>
           </a:p>
@@ -778,7 +780,7 @@
           <a:p>
             <a:fld id="{7AD78751-984F-44E5-BFE2-0CAA52F6D263}" type="datetimeFigureOut">
               <a:rPr lang="pt-BR" smtClean="0"/>
-              <a:t>14/10/2015</a:t>
+              <a:t>15/10/2015</a:t>
             </a:fld>
             <a:endParaRPr lang="pt-BR"/>
           </a:p>
@@ -1024,7 +1026,7 @@
           <a:p>
             <a:fld id="{7AD78751-984F-44E5-BFE2-0CAA52F6D263}" type="datetimeFigureOut">
               <a:rPr lang="pt-BR" smtClean="0"/>
-              <a:t>14/10/2015</a:t>
+              <a:t>15/10/2015</a:t>
             </a:fld>
             <a:endParaRPr lang="pt-BR"/>
           </a:p>
@@ -1256,7 +1258,7 @@
           <a:p>
             <a:fld id="{7AD78751-984F-44E5-BFE2-0CAA52F6D263}" type="datetimeFigureOut">
               <a:rPr lang="pt-BR" smtClean="0"/>
-              <a:t>14/10/2015</a:t>
+              <a:t>15/10/2015</a:t>
             </a:fld>
             <a:endParaRPr lang="pt-BR"/>
           </a:p>
@@ -1623,7 +1625,7 @@
           <a:p>
             <a:fld id="{7AD78751-984F-44E5-BFE2-0CAA52F6D263}" type="datetimeFigureOut">
               <a:rPr lang="pt-BR" smtClean="0"/>
-              <a:t>14/10/2015</a:t>
+              <a:t>15/10/2015</a:t>
             </a:fld>
             <a:endParaRPr lang="pt-BR"/>
           </a:p>
@@ -1741,7 +1743,7 @@
           <a:p>
             <a:fld id="{7AD78751-984F-44E5-BFE2-0CAA52F6D263}" type="datetimeFigureOut">
               <a:rPr lang="pt-BR" smtClean="0"/>
-              <a:t>14/10/2015</a:t>
+              <a:t>15/10/2015</a:t>
             </a:fld>
             <a:endParaRPr lang="pt-BR"/>
           </a:p>
@@ -1836,7 +1838,7 @@
           <a:p>
             <a:fld id="{7AD78751-984F-44E5-BFE2-0CAA52F6D263}" type="datetimeFigureOut">
               <a:rPr lang="pt-BR" smtClean="0"/>
-              <a:t>14/10/2015</a:t>
+              <a:t>15/10/2015</a:t>
             </a:fld>
             <a:endParaRPr lang="pt-BR"/>
           </a:p>
@@ -2113,7 +2115,7 @@
           <a:p>
             <a:fld id="{7AD78751-984F-44E5-BFE2-0CAA52F6D263}" type="datetimeFigureOut">
               <a:rPr lang="pt-BR" smtClean="0"/>
-              <a:t>14/10/2015</a:t>
+              <a:t>15/10/2015</a:t>
             </a:fld>
             <a:endParaRPr lang="pt-BR"/>
           </a:p>
@@ -2366,7 +2368,7 @@
           <a:p>
             <a:fld id="{7AD78751-984F-44E5-BFE2-0CAA52F6D263}" type="datetimeFigureOut">
               <a:rPr lang="pt-BR" smtClean="0"/>
-              <a:t>14/10/2015</a:t>
+              <a:t>15/10/2015</a:t>
             </a:fld>
             <a:endParaRPr lang="pt-BR"/>
           </a:p>
@@ -2579,7 +2581,7 @@
           <a:p>
             <a:fld id="{7AD78751-984F-44E5-BFE2-0CAA52F6D263}" type="datetimeFigureOut">
               <a:rPr lang="pt-BR" smtClean="0"/>
-              <a:t>14/10/2015</a:t>
+              <a:t>15/10/2015</a:t>
             </a:fld>
             <a:endParaRPr lang="pt-BR"/>
           </a:p>
@@ -3052,7 +3054,7 @@
             </a:r>
             <a:r>
               <a:rPr lang="pt-BR" dirty="0" smtClean="0"/>
-              <a:t> Adriano de Mello, Orientador</a:t>
+              <a:t> Adriano de Mello, PhD</a:t>
             </a:r>
             <a:endParaRPr lang="pt-BR" dirty="0"/>
           </a:p>
@@ -3669,15 +3671,7 @@
             </a:pPr>
             <a:r>
               <a:rPr lang="pt-BR" sz="1600" dirty="0" smtClean="0"/>
-              <a:t>Figura </a:t>
-            </a:r>
-            <a:r>
-              <a:rPr lang="pt-BR" sz="1600" dirty="0" smtClean="0"/>
-              <a:t>2. </a:t>
-            </a:r>
-            <a:r>
-              <a:rPr lang="pt-BR" sz="1600" dirty="0" smtClean="0"/>
-              <a:t>Conjunto consistente e inconsistente em um sistema distribuído.</a:t>
+              <a:t>Figura 2. Conjunto consistente e inconsistente em um sistema distribuído.</a:t>
             </a:r>
           </a:p>
           <a:p>
@@ -3783,7 +3777,7 @@
         </p:nvSpPr>
         <p:spPr>
           <a:xfrm>
-            <a:off x="838200" y="1825625"/>
+            <a:off x="838197" y="1835035"/>
             <a:ext cx="10515600" cy="1590906"/>
           </a:xfrm>
         </p:spPr>
@@ -4023,7 +4017,7 @@
             </a:pPr>
             <a:r>
               <a:rPr lang="pt-BR" sz="1600" dirty="0" smtClean="0"/>
-              <a:t>Figura 2. Exemplo de Efeito Dominó. </a:t>
+              <a:t>Figura 3. Exemplo de Efeito Dominó. </a:t>
             </a:r>
           </a:p>
           <a:p>
@@ -4125,7 +4119,7 @@
         </p:nvSpPr>
         <p:spPr>
           <a:xfrm>
-            <a:off x="838200" y="500062"/>
+            <a:off x="655563" y="500567"/>
             <a:ext cx="10515600" cy="1325563"/>
           </a:xfrm>
         </p:spPr>
@@ -4135,7 +4129,7 @@
           <a:p>
             <a:r>
               <a:rPr lang="pt-BR" dirty="0" smtClean="0"/>
-              <a:t>Metodologia</a:t>
+              <a:t> Objetivo</a:t>
             </a:r>
             <a:endParaRPr lang="pt-BR" dirty="0"/>
           </a:p>
@@ -4153,8 +4147,8 @@
         </p:nvSpPr>
         <p:spPr>
           <a:xfrm>
-            <a:off x="838200" y="1825624"/>
-            <a:ext cx="10515600" cy="4639569"/>
+            <a:off x="909020" y="1697938"/>
+            <a:ext cx="10515600" cy="5160062"/>
           </a:xfrm>
         </p:spPr>
         <p:txBody>
@@ -4164,68 +4158,71 @@
           <a:lstStyle/>
           <a:p>
             <a:r>
-              <a:rPr lang="pt-BR" dirty="0" smtClean="0"/>
-              <a:t>Leitura de referências sobre simulação computacional.</a:t>
-            </a:r>
-          </a:p>
-          <a:p>
-            <a:r>
-              <a:rPr lang="pt-BR" dirty="0" smtClean="0"/>
-              <a:t>Pesquisas </a:t>
-            </a:r>
-            <a:r>
-              <a:rPr lang="pt-BR" dirty="0" smtClean="0"/>
-              <a:t>por técnicas de identificação de estados seguros.</a:t>
-            </a:r>
-          </a:p>
-          <a:p>
-            <a:r>
-              <a:rPr lang="pt-BR" dirty="0" smtClean="0"/>
-              <a:t>Identificação de estratégias de criação de checkpoints a partir de estados seguros.</a:t>
-            </a:r>
-          </a:p>
-          <a:p>
-            <a:r>
-              <a:rPr lang="pt-BR" dirty="0" smtClean="0"/>
-              <a:t>Seleção de </a:t>
-            </a:r>
-            <a:r>
-              <a:rPr lang="pt-BR" dirty="0" smtClean="0"/>
-              <a:t>técnicas em </a:t>
-            </a:r>
-            <a:r>
-              <a:rPr lang="pt-BR" dirty="0" smtClean="0"/>
-              <a:t>relação as características do DCB.</a:t>
-            </a:r>
-          </a:p>
-          <a:p>
-            <a:r>
-              <a:rPr lang="pt-BR" dirty="0" smtClean="0"/>
-              <a:t>Especificação de uma estratégia para geração de checkpoints não coordenados em estados seguros no DCB.</a:t>
-            </a:r>
-          </a:p>
-          <a:p>
-            <a:r>
-              <a:rPr lang="pt-BR" dirty="0" smtClean="0"/>
-              <a:t>Integração da estratégia no DCB.</a:t>
-            </a:r>
-          </a:p>
-          <a:p>
-            <a:r>
-              <a:rPr lang="pt-BR" dirty="0" smtClean="0"/>
-              <a:t>Validação baseada em estudo de caso</a:t>
-            </a:r>
-            <a:r>
-              <a:rPr lang="pt-BR" dirty="0" smtClean="0"/>
-              <a:t>.</a:t>
-            </a:r>
-            <a:endParaRPr lang="pt-BR" dirty="0" smtClean="0"/>
+              <a:rPr lang="pt-BR" sz="2400" dirty="0" smtClean="0"/>
+              <a:t>Objetivo: </a:t>
+            </a:r>
+            <a:r>
+              <a:rPr lang="pt-BR" sz="2400" dirty="0"/>
+              <a:t>Desenvolver um mecanismo de identificação de estados seguros para a criação de checkpoints não coordenados reduzindo a probabilidade de desperdício de processamento com a geração de checkpoints inúteis. </a:t>
+            </a:r>
+            <a:endParaRPr lang="pt-BR" sz="2400" dirty="0" smtClean="0"/>
+          </a:p>
+          <a:p>
+            <a:r>
+              <a:rPr lang="pt-BR" sz="2400" dirty="0" smtClean="0"/>
+              <a:t>Objetivos Específicos: </a:t>
+            </a:r>
+          </a:p>
+          <a:p>
+            <a:pPr marL="457200" indent="-457200">
+              <a:buFont typeface="+mj-lt"/>
+              <a:buAutoNum type="arabicPeriod"/>
+            </a:pPr>
+            <a:r>
+              <a:rPr lang="pt-BR" sz="2400" dirty="0"/>
+              <a:t>Estudo de algoritmos para identificação de estados seguros. </a:t>
+            </a:r>
+          </a:p>
+          <a:p>
+            <a:pPr marL="457200" indent="-457200">
+              <a:buFont typeface="+mj-lt"/>
+              <a:buAutoNum type="arabicPeriod"/>
+            </a:pPr>
+            <a:r>
+              <a:rPr lang="pt-BR" sz="2400" dirty="0"/>
+              <a:t>Fazer um estudo de aderência dos métodos de acordo com requisitos e características do DCB. </a:t>
+            </a:r>
+          </a:p>
+          <a:p>
+            <a:pPr marL="457200" indent="-457200">
+              <a:buFont typeface="+mj-lt"/>
+              <a:buAutoNum type="arabicPeriod"/>
+            </a:pPr>
+            <a:r>
+              <a:rPr lang="pt-BR" sz="2400" dirty="0"/>
+              <a:t>Especificar e implementar os algoritmos de estados seguros e criação de </a:t>
+            </a:r>
+            <a:r>
+              <a:rPr lang="pt-BR" sz="2400" dirty="0" smtClean="0"/>
+              <a:t>checkpoints não coordenados </a:t>
+            </a:r>
+            <a:r>
+              <a:rPr lang="pt-BR" sz="2400" dirty="0"/>
+              <a:t>no DCB.</a:t>
+            </a:r>
+          </a:p>
+          <a:p>
+            <a:pPr marL="457200" indent="-457200">
+              <a:buFont typeface="+mj-lt"/>
+              <a:buAutoNum type="arabicPeriod"/>
+            </a:pPr>
+            <a:endParaRPr lang="pt-BR" sz="2400" dirty="0" smtClean="0"/>
           </a:p>
         </p:txBody>
       </p:sp>
       <p:pic>
         <p:nvPicPr>
-          <p:cNvPr id="5" name="Picture 2"/>
+          <p:cNvPr id="4" name="Picture 2"/>
           <p:cNvPicPr>
             <a:picLocks noChangeAspect="1"/>
           </p:cNvPicPr>
@@ -4257,7 +4254,7 @@
       </p:pic>
       <p:pic>
         <p:nvPicPr>
-          <p:cNvPr id="6" name="Imagem 5"/>
+          <p:cNvPr id="5" name="Imagem 4"/>
           <p:cNvPicPr>
             <a:picLocks noChangeAspect="1"/>
           </p:cNvPicPr>
@@ -4282,7 +4279,7 @@
     </p:spTree>
     <p:extLst>
       <p:ext uri="{BB962C8B-B14F-4D97-AF65-F5344CB8AC3E}">
-        <p14:creationId xmlns:p14="http://schemas.microsoft.com/office/powerpoint/2010/main" val="3118700290"/>
+        <p14:creationId xmlns:p14="http://schemas.microsoft.com/office/powerpoint/2010/main" val="883708621"/>
       </p:ext>
     </p:extLst>
   </p:cSld>
@@ -4321,7 +4318,7 @@
         </p:nvSpPr>
         <p:spPr>
           <a:xfrm>
-            <a:off x="838200" y="500062"/>
+            <a:off x="655563" y="500567"/>
             <a:ext cx="10515600" cy="1325563"/>
           </a:xfrm>
         </p:spPr>
@@ -4331,7 +4328,7 @@
           <a:p>
             <a:r>
               <a:rPr lang="pt-BR" dirty="0" smtClean="0"/>
-              <a:t>Cronograma</a:t>
+              <a:t>Justificativa</a:t>
             </a:r>
             <a:endParaRPr lang="pt-BR" dirty="0"/>
           </a:p>
@@ -4347,22 +4344,43 @@
             <p:ph idx="1"/>
           </p:nvPr>
         </p:nvSpPr>
-        <p:spPr/>
-        <p:txBody>
-          <a:bodyPr/>
-          <a:lstStyle/>
-          <a:p>
-            <a:r>
-              <a:rPr lang="pt-BR" dirty="0" smtClean="0"/>
-              <a:t> </a:t>
-            </a:r>
-            <a:endParaRPr lang="pt-BR" dirty="0"/>
+        <p:spPr>
+          <a:xfrm>
+            <a:off x="909020" y="1697938"/>
+            <a:ext cx="10515600" cy="5160062"/>
+          </a:xfrm>
+        </p:spPr>
+        <p:txBody>
+          <a:bodyPr>
+            <a:normAutofit/>
+          </a:bodyPr>
+          <a:lstStyle/>
+          <a:p>
+            <a:pPr>
+              <a:buFont typeface="Arial"/>
+              <a:buChar char="•"/>
+            </a:pPr>
+            <a:r>
+              <a:rPr lang="pt-BR" sz="2400" dirty="0">
+                <a:solidFill>
+                  <a:srgbClr val="000000"/>
+                </a:solidFill>
+              </a:rPr>
+              <a:t>Justificativa: Checkpoints não coordenados são muito úteis pois reduzem o overhead de mensagens de controle para sua criação, além de garantir a liberdade para cada processo criar seus próprios checkpoints. </a:t>
+            </a:r>
+          </a:p>
+          <a:p>
+            <a:pPr marL="457200" indent="-457200">
+              <a:buFont typeface="+mj-lt"/>
+              <a:buAutoNum type="arabicPeriod"/>
+            </a:pPr>
+            <a:endParaRPr lang="pt-BR" sz="2400" dirty="0" smtClean="0"/>
           </a:p>
         </p:txBody>
       </p:sp>
       <p:pic>
         <p:nvPicPr>
-          <p:cNvPr id="5" name="Picture 2"/>
+          <p:cNvPr id="4" name="Picture 2"/>
           <p:cNvPicPr>
             <a:picLocks noChangeAspect="1"/>
           </p:cNvPicPr>
@@ -4394,7 +4412,7 @@
       </p:pic>
       <p:pic>
         <p:nvPicPr>
-          <p:cNvPr id="6" name="Imagem 5"/>
+          <p:cNvPr id="5" name="Imagem 4"/>
           <p:cNvPicPr>
             <a:picLocks noChangeAspect="1"/>
           </p:cNvPicPr>
@@ -4416,34 +4434,10 @@
           </a:prstGeom>
         </p:spPr>
       </p:pic>
-      <p:pic>
-        <p:nvPicPr>
-          <p:cNvPr id="8" name="Imagem 7"/>
-          <p:cNvPicPr>
-            <a:picLocks noChangeAspect="1"/>
-          </p:cNvPicPr>
-          <p:nvPr/>
-        </p:nvPicPr>
-        <p:blipFill>
-          <a:blip r:embed="rId4"/>
-          <a:stretch>
-            <a:fillRect/>
-          </a:stretch>
-        </p:blipFill>
-        <p:spPr>
-          <a:xfrm>
-            <a:off x="1690751" y="1528046"/>
-            <a:ext cx="8810497" cy="4946495"/>
-          </a:xfrm>
-          <a:prstGeom prst="rect">
-            <a:avLst/>
-          </a:prstGeom>
-        </p:spPr>
-      </p:pic>
     </p:spTree>
     <p:extLst>
       <p:ext uri="{BB962C8B-B14F-4D97-AF65-F5344CB8AC3E}">
-        <p14:creationId xmlns:p14="http://schemas.microsoft.com/office/powerpoint/2010/main" val="2014660573"/>
+        <p14:creationId xmlns:p14="http://schemas.microsoft.com/office/powerpoint/2010/main" val="1388837631"/>
       </p:ext>
     </p:extLst>
   </p:cSld>
@@ -4492,7 +4486,7 @@
           <a:p>
             <a:r>
               <a:rPr lang="pt-BR" dirty="0" smtClean="0"/>
-              <a:t>Referências</a:t>
+              <a:t>Metodologia</a:t>
             </a:r>
             <a:endParaRPr lang="pt-BR" dirty="0"/>
           </a:p>
@@ -4508,7 +4502,12 @@
             <p:ph idx="1"/>
           </p:nvPr>
         </p:nvSpPr>
-        <p:spPr/>
+        <p:spPr>
+          <a:xfrm>
+            <a:off x="838200" y="1825624"/>
+            <a:ext cx="10515600" cy="4639569"/>
+          </a:xfrm>
+        </p:spPr>
         <p:txBody>
           <a:bodyPr>
             <a:normAutofit/>
@@ -4516,126 +4515,45 @@
           <a:lstStyle/>
           <a:p>
             <a:r>
-              <a:rPr lang="en-US" dirty="0"/>
-              <a:t>LAW, A. M.; KELTON, W. D. Simulation Modeling &amp; Analysis. 2. ed. </a:t>
-            </a:r>
-            <a:r>
-              <a:rPr lang="en-US" dirty="0" smtClean="0"/>
-              <a:t>New York</a:t>
-            </a:r>
-            <a:r>
-              <a:rPr lang="en-US" dirty="0"/>
-              <a:t>: McGraw-Hill, 1991. 759 p</a:t>
-            </a:r>
-            <a:r>
-              <a:rPr lang="en-US" dirty="0" smtClean="0"/>
-              <a:t>.</a:t>
-            </a:r>
-          </a:p>
-          <a:p>
-            <a:r>
               <a:rPr lang="pt-BR" dirty="0" smtClean="0"/>
-              <a:t> </a:t>
-            </a:r>
-            <a:r>
-              <a:rPr lang="pt-BR" dirty="0"/>
-              <a:t>ELNOZAHY, E. N.; ALVISI, L.; WANG, Y.-M.; JOHNSON, D. B. A </a:t>
-            </a:r>
-            <a:r>
-              <a:rPr lang="pt-BR" dirty="0" err="1" smtClean="0"/>
-              <a:t>Survey</a:t>
-            </a:r>
-            <a:r>
-              <a:rPr lang="pt-BR" dirty="0"/>
-              <a:t> </a:t>
-            </a:r>
-            <a:r>
-              <a:rPr lang="pt-BR" dirty="0" err="1" smtClean="0"/>
-              <a:t>of</a:t>
-            </a:r>
+              <a:t>Leitura de referências sobre simulação computacional.</a:t>
+            </a:r>
+          </a:p>
+          <a:p>
             <a:r>
               <a:rPr lang="pt-BR" dirty="0" smtClean="0"/>
-              <a:t> </a:t>
-            </a:r>
-            <a:r>
-              <a:rPr lang="pt-BR" dirty="0"/>
-              <a:t>Rollback-Recovery </a:t>
-            </a:r>
-            <a:r>
-              <a:rPr lang="pt-BR" dirty="0" err="1"/>
-              <a:t>Protocols</a:t>
-            </a:r>
-            <a:r>
-              <a:rPr lang="pt-BR" dirty="0"/>
-              <a:t> in </a:t>
-            </a:r>
-            <a:r>
-              <a:rPr lang="pt-BR" dirty="0" err="1"/>
-              <a:t>Message-Passing</a:t>
-            </a:r>
-            <a:r>
-              <a:rPr lang="pt-BR" dirty="0"/>
-              <a:t> Systems. </a:t>
-            </a:r>
+              <a:t>Pesquisas por técnicas de identificação de estados seguros.</a:t>
+            </a:r>
+          </a:p>
+          <a:p>
             <a:r>
               <a:rPr lang="pt-BR" dirty="0" smtClean="0"/>
-              <a:t>ACM </a:t>
-            </a:r>
-            <a:r>
-              <a:rPr lang="pt-BR" dirty="0" err="1" smtClean="0"/>
-              <a:t>Computing</a:t>
-            </a:r>
+              <a:t>Identificação de estratégias de criação de checkpoints a partir de estados seguros.</a:t>
+            </a:r>
+          </a:p>
+          <a:p>
             <a:r>
               <a:rPr lang="pt-BR" dirty="0" smtClean="0"/>
-              <a:t> </a:t>
-            </a:r>
-            <a:r>
-              <a:rPr lang="pt-BR" dirty="0" err="1"/>
-              <a:t>Surveys</a:t>
-            </a:r>
-            <a:r>
-              <a:rPr lang="pt-BR" dirty="0"/>
-              <a:t>, v. 34, n. 3, p. 375-408, sep. 2002</a:t>
-            </a:r>
+              <a:t>Seleção de técnicas em relação as características do DCB.</a:t>
+            </a:r>
+          </a:p>
+          <a:p>
             <a:r>
               <a:rPr lang="pt-BR" dirty="0" smtClean="0"/>
-              <a:t>.</a:t>
-            </a:r>
-          </a:p>
-          <a:p>
-            <a:r>
-              <a:rPr lang="pt-BR" dirty="0"/>
-              <a:t>MELLO, B. A. </a:t>
-            </a:r>
-            <a:r>
-              <a:rPr lang="pt-BR" dirty="0" err="1"/>
-              <a:t>Co-Simulação</a:t>
-            </a:r>
-            <a:r>
-              <a:rPr lang="pt-BR" dirty="0"/>
-              <a:t> Distribuída de Sistemas Heterogêneos. </a:t>
-            </a:r>
+              <a:t>Especificação de uma estratégia para geração de checkpoints não coordenados em estados seguros no DCB.</a:t>
+            </a:r>
+          </a:p>
+          <a:p>
             <a:r>
               <a:rPr lang="pt-BR" dirty="0" smtClean="0"/>
-              <a:t>2005. 145 </a:t>
-            </a:r>
-            <a:r>
-              <a:rPr lang="pt-BR" dirty="0"/>
-              <a:t>p. Tese (Doutorado em Computação) - Universidade Federal do Rio </a:t>
-            </a:r>
+              <a:t>Integração da estratégia no DCB.</a:t>
+            </a:r>
+          </a:p>
+          <a:p>
             <a:r>
               <a:rPr lang="pt-BR" dirty="0" smtClean="0"/>
-              <a:t>Grande do </a:t>
-            </a:r>
-            <a:r>
-              <a:rPr lang="pt-BR" dirty="0"/>
-              <a:t>Sul, Porto Alegre</a:t>
-            </a:r>
-            <a:r>
-              <a:rPr lang="pt-BR" dirty="0" smtClean="0"/>
-              <a:t>.</a:t>
-            </a:r>
-            <a:endParaRPr lang="pt-BR" dirty="0"/>
+              <a:t>Validação baseada em estudo de caso.</a:t>
+            </a:r>
           </a:p>
         </p:txBody>
       </p:sp>
@@ -4698,6 +4616,422 @@
     </p:spTree>
     <p:extLst>
       <p:ext uri="{BB962C8B-B14F-4D97-AF65-F5344CB8AC3E}">
+        <p14:creationId xmlns:p14="http://schemas.microsoft.com/office/powerpoint/2010/main" val="3118700290"/>
+      </p:ext>
+    </p:extLst>
+  </p:cSld>
+  <p:clrMapOvr>
+    <a:masterClrMapping/>
+  </p:clrMapOvr>
+</p:sld>
+</file>
+
+<file path=ppt/slides/slide16.xml><?xml version="1.0" encoding="utf-8"?>
+<p:sld xmlns:a="http://schemas.openxmlformats.org/drawingml/2006/main" xmlns:r="http://schemas.openxmlformats.org/officeDocument/2006/relationships" xmlns:p="http://schemas.openxmlformats.org/presentationml/2006/main">
+  <p:cSld>
+    <p:spTree>
+      <p:nvGrpSpPr>
+        <p:cNvPr id="1" name=""/>
+        <p:cNvGrpSpPr/>
+        <p:nvPr/>
+      </p:nvGrpSpPr>
+      <p:grpSpPr>
+        <a:xfrm>
+          <a:off x="0" y="0"/>
+          <a:ext cx="0" cy="0"/>
+          <a:chOff x="0" y="0"/>
+          <a:chExt cx="0" cy="0"/>
+        </a:xfrm>
+      </p:grpSpPr>
+      <p:sp>
+        <p:nvSpPr>
+          <p:cNvPr id="2" name="Título 1"/>
+          <p:cNvSpPr>
+            <a:spLocks noGrp="1"/>
+          </p:cNvSpPr>
+          <p:nvPr>
+            <p:ph type="title"/>
+          </p:nvPr>
+        </p:nvSpPr>
+        <p:spPr>
+          <a:xfrm>
+            <a:off x="838200" y="500062"/>
+            <a:ext cx="10515600" cy="1325563"/>
+          </a:xfrm>
+        </p:spPr>
+        <p:txBody>
+          <a:bodyPr/>
+          <a:lstStyle/>
+          <a:p>
+            <a:r>
+              <a:rPr lang="pt-BR" dirty="0" smtClean="0"/>
+              <a:t>Cronograma</a:t>
+            </a:r>
+            <a:endParaRPr lang="pt-BR" dirty="0"/>
+          </a:p>
+        </p:txBody>
+      </p:sp>
+      <p:sp>
+        <p:nvSpPr>
+          <p:cNvPr id="3" name="Espaço Reservado para Conteúdo 2"/>
+          <p:cNvSpPr>
+            <a:spLocks noGrp="1"/>
+          </p:cNvSpPr>
+          <p:nvPr>
+            <p:ph idx="1"/>
+          </p:nvPr>
+        </p:nvSpPr>
+        <p:spPr/>
+        <p:txBody>
+          <a:bodyPr/>
+          <a:lstStyle/>
+          <a:p>
+            <a:r>
+              <a:rPr lang="pt-BR" dirty="0" smtClean="0"/>
+              <a:t> </a:t>
+            </a:r>
+            <a:endParaRPr lang="pt-BR" dirty="0"/>
+          </a:p>
+        </p:txBody>
+      </p:sp>
+      <p:pic>
+        <p:nvPicPr>
+          <p:cNvPr id="5" name="Picture 2"/>
+          <p:cNvPicPr>
+            <a:picLocks noChangeAspect="1"/>
+          </p:cNvPicPr>
+          <p:nvPr/>
+        </p:nvPicPr>
+        <p:blipFill>
+          <a:blip r:embed="rId2">
+            <a:lum bright="-50000"/>
+            <a:alphaModFix/>
+          </a:blip>
+          <a:srcRect/>
+          <a:stretch>
+            <a:fillRect/>
+          </a:stretch>
+        </p:blipFill>
+        <p:spPr>
+          <a:xfrm>
+            <a:off x="58320" y="-171360"/>
+            <a:ext cx="2107800" cy="1030319"/>
+          </a:xfrm>
+          <a:prstGeom prst="rect">
+            <a:avLst/>
+          </a:prstGeom>
+          <a:noFill/>
+          <a:ln>
+            <a:noFill/>
+          </a:ln>
+        </p:spPr>
+      </p:pic>
+      <p:pic>
+        <p:nvPicPr>
+          <p:cNvPr id="6" name="Imagem 5"/>
+          <p:cNvPicPr>
+            <a:picLocks noChangeAspect="1"/>
+          </p:cNvPicPr>
+          <p:nvPr/>
+        </p:nvPicPr>
+        <p:blipFill>
+          <a:blip r:embed="rId3"/>
+          <a:stretch>
+            <a:fillRect/>
+          </a:stretch>
+        </p:blipFill>
+        <p:spPr>
+          <a:xfrm>
+            <a:off x="11171163" y="0"/>
+            <a:ext cx="1020837" cy="1373269"/>
+          </a:xfrm>
+          <a:prstGeom prst="rect">
+            <a:avLst/>
+          </a:prstGeom>
+        </p:spPr>
+      </p:pic>
+      <p:pic>
+        <p:nvPicPr>
+          <p:cNvPr id="8" name="Imagem 7"/>
+          <p:cNvPicPr>
+            <a:picLocks noChangeAspect="1"/>
+          </p:cNvPicPr>
+          <p:nvPr/>
+        </p:nvPicPr>
+        <p:blipFill>
+          <a:blip r:embed="rId4"/>
+          <a:stretch>
+            <a:fillRect/>
+          </a:stretch>
+        </p:blipFill>
+        <p:spPr>
+          <a:xfrm>
+            <a:off x="1428423" y="1530381"/>
+            <a:ext cx="9335154" cy="5241054"/>
+          </a:xfrm>
+          <a:prstGeom prst="rect">
+            <a:avLst/>
+          </a:prstGeom>
+        </p:spPr>
+      </p:pic>
+    </p:spTree>
+    <p:extLst>
+      <p:ext uri="{BB962C8B-B14F-4D97-AF65-F5344CB8AC3E}">
+        <p14:creationId xmlns:p14="http://schemas.microsoft.com/office/powerpoint/2010/main" val="2014660573"/>
+      </p:ext>
+    </p:extLst>
+  </p:cSld>
+  <p:clrMapOvr>
+    <a:masterClrMapping/>
+  </p:clrMapOvr>
+</p:sld>
+</file>
+
+<file path=ppt/slides/slide17.xml><?xml version="1.0" encoding="utf-8"?>
+<p:sld xmlns:a="http://schemas.openxmlformats.org/drawingml/2006/main" xmlns:r="http://schemas.openxmlformats.org/officeDocument/2006/relationships" xmlns:p="http://schemas.openxmlformats.org/presentationml/2006/main">
+  <p:cSld>
+    <p:spTree>
+      <p:nvGrpSpPr>
+        <p:cNvPr id="1" name=""/>
+        <p:cNvGrpSpPr/>
+        <p:nvPr/>
+      </p:nvGrpSpPr>
+      <p:grpSpPr>
+        <a:xfrm>
+          <a:off x="0" y="0"/>
+          <a:ext cx="0" cy="0"/>
+          <a:chOff x="0" y="0"/>
+          <a:chExt cx="0" cy="0"/>
+        </a:xfrm>
+      </p:grpSpPr>
+      <p:sp>
+        <p:nvSpPr>
+          <p:cNvPr id="2" name="Título 1"/>
+          <p:cNvSpPr>
+            <a:spLocks noGrp="1"/>
+          </p:cNvSpPr>
+          <p:nvPr>
+            <p:ph type="title"/>
+          </p:nvPr>
+        </p:nvSpPr>
+        <p:spPr>
+          <a:xfrm>
+            <a:off x="838200" y="500062"/>
+            <a:ext cx="10515600" cy="1325563"/>
+          </a:xfrm>
+        </p:spPr>
+        <p:txBody>
+          <a:bodyPr/>
+          <a:lstStyle/>
+          <a:p>
+            <a:r>
+              <a:rPr lang="pt-BR" dirty="0" smtClean="0"/>
+              <a:t>Referências</a:t>
+            </a:r>
+            <a:endParaRPr lang="pt-BR" dirty="0"/>
+          </a:p>
+        </p:txBody>
+      </p:sp>
+      <p:sp>
+        <p:nvSpPr>
+          <p:cNvPr id="3" name="Espaço Reservado para Conteúdo 2"/>
+          <p:cNvSpPr>
+            <a:spLocks noGrp="1"/>
+          </p:cNvSpPr>
+          <p:nvPr>
+            <p:ph idx="1"/>
+          </p:nvPr>
+        </p:nvSpPr>
+        <p:spPr/>
+        <p:txBody>
+          <a:bodyPr>
+            <a:normAutofit/>
+          </a:bodyPr>
+          <a:lstStyle/>
+          <a:p>
+            <a:r>
+              <a:rPr lang="en-US" dirty="0"/>
+              <a:t>LAW, A. M.; KELTON, W. D. Simulation Modeling &amp; Analysis. 2. ed. </a:t>
+            </a:r>
+            <a:r>
+              <a:rPr lang="en-US" dirty="0" smtClean="0"/>
+              <a:t>New York</a:t>
+            </a:r>
+            <a:r>
+              <a:rPr lang="en-US" dirty="0"/>
+              <a:t>: McGraw-Hill, 1991. 759 p</a:t>
+            </a:r>
+            <a:r>
+              <a:rPr lang="en-US" dirty="0" smtClean="0"/>
+              <a:t>.</a:t>
+            </a:r>
+          </a:p>
+          <a:p>
+            <a:r>
+              <a:rPr lang="pt-BR" dirty="0" smtClean="0"/>
+              <a:t> </a:t>
+            </a:r>
+            <a:r>
+              <a:rPr lang="pt-BR" dirty="0"/>
+              <a:t>ELNOZAHY, E. N.; ALVISI, L.; WANG, Y.-M.; JOHNSON, D. B. A </a:t>
+            </a:r>
+            <a:r>
+              <a:rPr lang="pt-BR" dirty="0" err="1" smtClean="0"/>
+              <a:t>Survey</a:t>
+            </a:r>
+            <a:r>
+              <a:rPr lang="pt-BR" dirty="0"/>
+              <a:t> </a:t>
+            </a:r>
+            <a:r>
+              <a:rPr lang="pt-BR" dirty="0" err="1" smtClean="0"/>
+              <a:t>of</a:t>
+            </a:r>
+            <a:r>
+              <a:rPr lang="pt-BR" dirty="0" smtClean="0"/>
+              <a:t> </a:t>
+            </a:r>
+            <a:r>
+              <a:rPr lang="pt-BR" dirty="0"/>
+              <a:t>Rollback-Recovery </a:t>
+            </a:r>
+            <a:r>
+              <a:rPr lang="pt-BR" dirty="0" err="1"/>
+              <a:t>Protocols</a:t>
+            </a:r>
+            <a:r>
+              <a:rPr lang="pt-BR" dirty="0"/>
+              <a:t> in </a:t>
+            </a:r>
+            <a:r>
+              <a:rPr lang="pt-BR" dirty="0" err="1"/>
+              <a:t>Message-Passing</a:t>
+            </a:r>
+            <a:r>
+              <a:rPr lang="pt-BR" dirty="0"/>
+              <a:t> Systems. </a:t>
+            </a:r>
+            <a:r>
+              <a:rPr lang="pt-BR" dirty="0" smtClean="0"/>
+              <a:t>ACM </a:t>
+            </a:r>
+            <a:r>
+              <a:rPr lang="pt-BR" dirty="0" err="1" smtClean="0"/>
+              <a:t>Computing</a:t>
+            </a:r>
+            <a:r>
+              <a:rPr lang="pt-BR" dirty="0" smtClean="0"/>
+              <a:t> </a:t>
+            </a:r>
+            <a:r>
+              <a:rPr lang="pt-BR" dirty="0" err="1"/>
+              <a:t>Surveys</a:t>
+            </a:r>
+            <a:r>
+              <a:rPr lang="pt-BR" dirty="0"/>
+              <a:t>, v. 34, n. 3, p. 375-408, sep. 2002</a:t>
+            </a:r>
+            <a:r>
+              <a:rPr lang="pt-BR" dirty="0" smtClean="0"/>
+              <a:t>.</a:t>
+            </a:r>
+          </a:p>
+          <a:p>
+            <a:r>
+              <a:rPr lang="pt-BR" dirty="0"/>
+              <a:t>MELLO, B. A. </a:t>
+            </a:r>
+            <a:r>
+              <a:rPr lang="pt-BR" dirty="0" err="1"/>
+              <a:t>Co-Simulação</a:t>
+            </a:r>
+            <a:r>
+              <a:rPr lang="pt-BR" dirty="0"/>
+              <a:t> Distribuída de Sistemas Heterogêneos. </a:t>
+            </a:r>
+            <a:r>
+              <a:rPr lang="pt-BR" dirty="0" smtClean="0"/>
+              <a:t>2005. 145 </a:t>
+            </a:r>
+            <a:r>
+              <a:rPr lang="pt-BR" dirty="0"/>
+              <a:t>p. Tese (Doutorado em Computação) - Universidade Federal do Rio </a:t>
+            </a:r>
+            <a:r>
+              <a:rPr lang="pt-BR" dirty="0" smtClean="0"/>
+              <a:t>Grande do </a:t>
+            </a:r>
+            <a:r>
+              <a:rPr lang="pt-BR" dirty="0"/>
+              <a:t>Sul, Porto Alegre</a:t>
+            </a:r>
+            <a:r>
+              <a:rPr lang="pt-BR" dirty="0" smtClean="0"/>
+              <a:t>.</a:t>
+            </a:r>
+            <a:endParaRPr lang="pt-BR" dirty="0"/>
+          </a:p>
+        </p:txBody>
+      </p:sp>
+      <p:pic>
+        <p:nvPicPr>
+          <p:cNvPr id="5" name="Picture 2"/>
+          <p:cNvPicPr>
+            <a:picLocks noChangeAspect="1"/>
+          </p:cNvPicPr>
+          <p:nvPr/>
+        </p:nvPicPr>
+        <p:blipFill>
+          <a:blip r:embed="rId2">
+            <a:lum bright="-50000"/>
+            <a:alphaModFix/>
+          </a:blip>
+          <a:srcRect/>
+          <a:stretch>
+            <a:fillRect/>
+          </a:stretch>
+        </p:blipFill>
+        <p:spPr>
+          <a:xfrm>
+            <a:off x="58320" y="-171360"/>
+            <a:ext cx="2107800" cy="1030319"/>
+          </a:xfrm>
+          <a:prstGeom prst="rect">
+            <a:avLst/>
+          </a:prstGeom>
+          <a:noFill/>
+          <a:ln>
+            <a:noFill/>
+          </a:ln>
+        </p:spPr>
+      </p:pic>
+      <p:pic>
+        <p:nvPicPr>
+          <p:cNvPr id="6" name="Imagem 5"/>
+          <p:cNvPicPr>
+            <a:picLocks noChangeAspect="1"/>
+          </p:cNvPicPr>
+          <p:nvPr/>
+        </p:nvPicPr>
+        <p:blipFill>
+          <a:blip r:embed="rId3"/>
+          <a:stretch>
+            <a:fillRect/>
+          </a:stretch>
+        </p:blipFill>
+        <p:spPr>
+          <a:xfrm>
+            <a:off x="11171163" y="0"/>
+            <a:ext cx="1020837" cy="1373269"/>
+          </a:xfrm>
+          <a:prstGeom prst="rect">
+            <a:avLst/>
+          </a:prstGeom>
+        </p:spPr>
+      </p:pic>
+    </p:spTree>
+    <p:extLst>
+      <p:ext uri="{BB962C8B-B14F-4D97-AF65-F5344CB8AC3E}">
         <p14:creationId xmlns:p14="http://schemas.microsoft.com/office/powerpoint/2010/main" val="471875096"/>
       </p:ext>
     </p:extLst>
@@ -4708,7 +5042,7 @@
 </p:sld>
 </file>
 
-<file path=ppt/slides/slide16.xml><?xml version="1.0" encoding="utf-8"?>
+<file path=ppt/slides/slide18.xml><?xml version="1.0" encoding="utf-8"?>
 <p:sld xmlns:a="http://schemas.openxmlformats.org/drawingml/2006/main" xmlns:r="http://schemas.openxmlformats.org/officeDocument/2006/relationships" xmlns:p="http://schemas.openxmlformats.org/presentationml/2006/main">
   <p:cSld>
     <p:spTree>
@@ -5007,7 +5341,7 @@
         </p:nvSpPr>
         <p:spPr>
           <a:xfrm>
-            <a:off x="838200" y="126228"/>
+            <a:off x="838200" y="679511"/>
             <a:ext cx="10515600" cy="1325563"/>
           </a:xfrm>
         </p:spPr>
@@ -5017,7 +5351,7 @@
           <a:p>
             <a:r>
               <a:rPr lang="pt-BR" dirty="0" smtClean="0"/>
-              <a:t> </a:t>
+              <a:t>Sumário</a:t>
             </a:r>
             <a:endParaRPr lang="pt-BR" dirty="0"/>
           </a:p>
@@ -5033,84 +5367,121 @@
             <p:ph idx="1"/>
           </p:nvPr>
         </p:nvSpPr>
-        <p:spPr>
-          <a:xfrm>
-            <a:off x="838200" y="1156547"/>
-            <a:ext cx="10515600" cy="5160062"/>
-          </a:xfrm>
-        </p:spPr>
+        <p:spPr/>
         <p:txBody>
           <a:bodyPr>
             <a:normAutofit/>
           </a:bodyPr>
           <a:lstStyle/>
           <a:p>
-            <a:r>
-              <a:rPr lang="pt-BR" sz="2400" dirty="0" smtClean="0"/>
-              <a:t>Problema: A criação de checkpoints não coordenados pode ser custosa e ineficiente caso crie muitos checkpoints e estes não façam parte de estados consistentes.</a:t>
-            </a:r>
-          </a:p>
-          <a:p>
-            <a:r>
-              <a:rPr lang="pt-BR" sz="2400" dirty="0" smtClean="0"/>
-              <a:t>Objetivo: </a:t>
-            </a:r>
-            <a:r>
-              <a:rPr lang="pt-BR" sz="2400" dirty="0"/>
-              <a:t>Desenvolver um mecanismo de identificação de estados seguros para a criação de checkpoints não coordenados reduzindo a probabilidade de desperdício de processamento com a geração de checkpoints inúteis. </a:t>
-            </a:r>
-            <a:endParaRPr lang="pt-BR" sz="2400" dirty="0" smtClean="0"/>
-          </a:p>
-          <a:p>
-            <a:r>
-              <a:rPr lang="pt-BR" sz="2400" dirty="0" smtClean="0"/>
-              <a:t>Objetivos Específicos: </a:t>
-            </a:r>
-          </a:p>
-          <a:p>
-            <a:pPr marL="457200" indent="-457200">
-              <a:buFont typeface="+mj-lt"/>
-              <a:buAutoNum type="arabicPeriod"/>
+            <a:pPr>
+              <a:buFont typeface="Arial"/>
+              <a:buChar char="•"/>
             </a:pPr>
             <a:r>
-              <a:rPr lang="pt-BR" sz="2400" dirty="0"/>
-              <a:t>Estudo de algoritmos para identificação de estados seguros. </a:t>
-            </a:r>
-          </a:p>
-          <a:p>
-            <a:pPr marL="457200" indent="-457200">
-              <a:buFont typeface="+mj-lt"/>
-              <a:buAutoNum type="arabicPeriod"/>
+              <a:rPr lang="pt-BR" dirty="0" smtClean="0">
+                <a:solidFill>
+                  <a:srgbClr val="000000"/>
+                </a:solidFill>
+              </a:rPr>
+              <a:t>Tema</a:t>
+            </a:r>
+          </a:p>
+          <a:p>
+            <a:pPr>
+              <a:buFont typeface="Arial"/>
+              <a:buChar char="•"/>
             </a:pPr>
             <a:r>
-              <a:rPr lang="pt-BR" sz="2400" dirty="0"/>
-              <a:t>Fazer um estudo de aderência dos métodos de acordo com requisitos e características do DCB. </a:t>
-            </a:r>
-          </a:p>
-          <a:p>
-            <a:pPr marL="457200" indent="-457200">
-              <a:buFont typeface="+mj-lt"/>
-              <a:buAutoNum type="arabicPeriod"/>
+              <a:rPr lang="pt-BR" dirty="0" smtClean="0">
+                <a:solidFill>
+                  <a:srgbClr val="000000"/>
+                </a:solidFill>
+              </a:rPr>
+              <a:t>Simulação</a:t>
+            </a:r>
+          </a:p>
+          <a:p>
+            <a:pPr>
+              <a:buFont typeface="Arial"/>
+              <a:buChar char="•"/>
             </a:pPr>
             <a:r>
-              <a:rPr lang="pt-BR" sz="2400" dirty="0"/>
-              <a:t>Especificar e implementar os algoritmos de estados seguros e criação de </a:t>
-            </a:r>
-            <a:r>
-              <a:rPr lang="pt-BR" sz="2400" dirty="0" smtClean="0"/>
-              <a:t>checkpoints não coordenados </a:t>
-            </a:r>
-            <a:r>
-              <a:rPr lang="pt-BR" sz="2400" dirty="0"/>
-              <a:t>no DCB.</a:t>
-            </a:r>
-          </a:p>
-          <a:p>
-            <a:pPr marL="457200" indent="-457200">
-              <a:buFont typeface="+mj-lt"/>
-              <a:buAutoNum type="arabicPeriod"/>
+              <a:rPr lang="pt-BR" dirty="0" smtClean="0">
+                <a:solidFill>
+                  <a:srgbClr val="000000"/>
+                </a:solidFill>
+              </a:rPr>
+              <a:t>DCB</a:t>
+            </a:r>
+          </a:p>
+          <a:p>
+            <a:pPr>
+              <a:buFont typeface="Arial"/>
+              <a:buChar char="•"/>
             </a:pPr>
-            <a:endParaRPr lang="pt-BR" sz="2400" dirty="0" smtClean="0"/>
+            <a:r>
+              <a:rPr lang="pt-BR" dirty="0" smtClean="0">
+                <a:solidFill>
+                  <a:srgbClr val="000000"/>
+                </a:solidFill>
+              </a:rPr>
+              <a:t>Checkpoints</a:t>
+            </a:r>
+          </a:p>
+          <a:p>
+            <a:pPr>
+              <a:buFont typeface="Arial"/>
+              <a:buChar char="•"/>
+            </a:pPr>
+            <a:r>
+              <a:rPr lang="pt-BR" dirty="0" smtClean="0">
+                <a:solidFill>
+                  <a:srgbClr val="000000"/>
+                </a:solidFill>
+              </a:rPr>
+              <a:t>Objetivo</a:t>
+            </a:r>
+          </a:p>
+          <a:p>
+            <a:pPr>
+              <a:buFont typeface="Arial"/>
+              <a:buChar char="•"/>
+            </a:pPr>
+            <a:r>
+              <a:rPr lang="pt-BR" dirty="0" smtClean="0">
+                <a:solidFill>
+                  <a:srgbClr val="000000"/>
+                </a:solidFill>
+              </a:rPr>
+              <a:t>Metodologia</a:t>
+            </a:r>
+          </a:p>
+          <a:p>
+            <a:pPr>
+              <a:buFont typeface="Arial"/>
+              <a:buChar char="•"/>
+            </a:pPr>
+            <a:r>
+              <a:rPr lang="pt-BR" dirty="0" smtClean="0">
+                <a:solidFill>
+                  <a:srgbClr val="000000"/>
+                </a:solidFill>
+              </a:rPr>
+              <a:t>Referências</a:t>
+            </a:r>
+            <a:endParaRPr lang="pt-BR" dirty="0" smtClean="0">
+              <a:solidFill>
+                <a:srgbClr val="000000"/>
+              </a:solidFill>
+            </a:endParaRPr>
+          </a:p>
+          <a:p>
+            <a:pPr>
+              <a:buFont typeface="Arial"/>
+              <a:buChar char="•"/>
+            </a:pPr>
+            <a:endParaRPr lang="pt-BR" dirty="0"/>
           </a:p>
         </p:txBody>
       </p:sp>
@@ -5173,7 +5544,7 @@
     </p:spTree>
     <p:extLst>
       <p:ext uri="{BB962C8B-B14F-4D97-AF65-F5344CB8AC3E}">
-        <p14:creationId xmlns:p14="http://schemas.microsoft.com/office/powerpoint/2010/main" val="883708621"/>
+        <p14:creationId xmlns:p14="http://schemas.microsoft.com/office/powerpoint/2010/main" val="15492936"/>
       </p:ext>
     </p:extLst>
   </p:cSld>
@@ -5222,7 +5593,7 @@
           <a:p>
             <a:r>
               <a:rPr lang="pt-BR" dirty="0" smtClean="0"/>
-              <a:t>Justificativa</a:t>
+              <a:t>Tema</a:t>
             </a:r>
             <a:endParaRPr lang="pt-BR" dirty="0"/>
           </a:p>
@@ -5250,21 +5621,26 @@
               <a:buChar char="•"/>
             </a:pPr>
             <a:r>
-              <a:rPr lang="pt-BR" dirty="0" smtClean="0">
-                <a:solidFill>
-                  <a:srgbClr val="000000"/>
-                </a:solidFill>
-              </a:rPr>
-              <a:t>Checkpoints </a:t>
-            </a:r>
-            <a:r>
-              <a:rPr lang="pt-BR" dirty="0">
-                <a:solidFill>
-                  <a:srgbClr val="000000"/>
-                </a:solidFill>
-              </a:rPr>
-              <a:t>não coordenados são muito úteis pois reduzem o overhead de mensagens de controle para sua criação, além de garantir a liberdade para cada processo criar seus próprios checkpoints. </a:t>
-            </a:r>
+              <a:rPr lang="pt-BR" dirty="0"/>
+              <a:t>Problema: A criação de checkpoints não coordenados pode ser custosa e ineficiente caso crie muitos checkpoints e estes não façam parte de estados consistentes.</a:t>
+            </a:r>
+          </a:p>
+          <a:p>
+            <a:pPr>
+              <a:buFont typeface="Arial"/>
+              <a:buChar char="•"/>
+            </a:pPr>
+            <a:endParaRPr lang="pt-BR" dirty="0" smtClean="0">
+              <a:solidFill>
+                <a:srgbClr val="000000"/>
+              </a:solidFill>
+            </a:endParaRPr>
+          </a:p>
+          <a:p>
+            <a:pPr>
+              <a:buFont typeface="Arial"/>
+              <a:buChar char="•"/>
+            </a:pPr>
             <a:endParaRPr lang="pt-BR" dirty="0"/>
           </a:p>
         </p:txBody>
@@ -5328,7 +5704,7 @@
     </p:spTree>
     <p:extLst>
       <p:ext uri="{BB962C8B-B14F-4D97-AF65-F5344CB8AC3E}">
-        <p14:creationId xmlns:p14="http://schemas.microsoft.com/office/powerpoint/2010/main" val="15492936"/>
+        <p14:creationId xmlns:p14="http://schemas.microsoft.com/office/powerpoint/2010/main" val="1026293053"/>
       </p:ext>
     </p:extLst>
   </p:cSld>
@@ -5902,11 +6278,7 @@
             </a:pPr>
             <a:r>
               <a:rPr lang="pt-BR" sz="1600" dirty="0" smtClean="0"/>
-              <a:t>Figura 1. Arquitetura </a:t>
-            </a:r>
-            <a:r>
-              <a:rPr lang="pt-BR" sz="1600" dirty="0" smtClean="0"/>
-              <a:t>do DCB</a:t>
+              <a:t>Figura 1. Arquitetura do DCB</a:t>
             </a:r>
             <a:endParaRPr lang="pt-BR" sz="1600" dirty="0"/>
           </a:p>
